--- a/Thesis/Figures/polished/CPWR_designs.pptx
+++ b/Thesis/Figures/polished/CPWR_designs.pptx
@@ -2,19 +2,20 @@
 <file path=ppt/presentation.xml><?xml version="1.0" encoding="utf-8"?>
 <p:presentation xmlns:a="http://schemas.openxmlformats.org/drawingml/2006/main" xmlns:r="http://schemas.openxmlformats.org/officeDocument/2006/relationships" xmlns:p="http://schemas.openxmlformats.org/presentationml/2006/main" saveSubsetFonts="1">
   <p:sldMasterIdLst>
-    <p:sldMasterId id="2147483672" r:id="rId1"/>
+    <p:sldMasterId id="2147483696" r:id="rId1"/>
   </p:sldMasterIdLst>
   <p:sldIdLst>
     <p:sldId id="256" r:id="rId2"/>
+    <p:sldId id="257" r:id="rId3"/>
   </p:sldIdLst>
-  <p:sldSz cx="11879263" cy="4859338"/>
+  <p:sldSz cx="12239625" cy="9359900"/>
   <p:notesSz cx="6858000" cy="9144000"/>
   <p:defaultTextStyle>
     <a:defPPr>
       <a:defRPr lang="en-US"/>
     </a:defPPr>
-    <a:lvl1pPr marL="0" algn="l" defTabSz="869960" rtl="0" eaLnBrk="1" latinLnBrk="0" hangingPunct="1">
-      <a:defRPr sz="1713" kern="1200">
+    <a:lvl1pPr marL="0" algn="l" defTabSz="899974" rtl="0" eaLnBrk="1" latinLnBrk="0" hangingPunct="1">
+      <a:defRPr sz="1772" kern="1200">
         <a:solidFill>
           <a:schemeClr val="tx1"/>
         </a:solidFill>
@@ -23,8 +24,8 @@
         <a:cs typeface="+mn-cs"/>
       </a:defRPr>
     </a:lvl1pPr>
-    <a:lvl2pPr marL="434980" algn="l" defTabSz="869960" rtl="0" eaLnBrk="1" latinLnBrk="0" hangingPunct="1">
-      <a:defRPr sz="1713" kern="1200">
+    <a:lvl2pPr marL="449987" algn="l" defTabSz="899974" rtl="0" eaLnBrk="1" latinLnBrk="0" hangingPunct="1">
+      <a:defRPr sz="1772" kern="1200">
         <a:solidFill>
           <a:schemeClr val="tx1"/>
         </a:solidFill>
@@ -33,8 +34,8 @@
         <a:cs typeface="+mn-cs"/>
       </a:defRPr>
     </a:lvl2pPr>
-    <a:lvl3pPr marL="869960" algn="l" defTabSz="869960" rtl="0" eaLnBrk="1" latinLnBrk="0" hangingPunct="1">
-      <a:defRPr sz="1713" kern="1200">
+    <a:lvl3pPr marL="899974" algn="l" defTabSz="899974" rtl="0" eaLnBrk="1" latinLnBrk="0" hangingPunct="1">
+      <a:defRPr sz="1772" kern="1200">
         <a:solidFill>
           <a:schemeClr val="tx1"/>
         </a:solidFill>
@@ -43,8 +44,8 @@
         <a:cs typeface="+mn-cs"/>
       </a:defRPr>
     </a:lvl3pPr>
-    <a:lvl4pPr marL="1304940" algn="l" defTabSz="869960" rtl="0" eaLnBrk="1" latinLnBrk="0" hangingPunct="1">
-      <a:defRPr sz="1713" kern="1200">
+    <a:lvl4pPr marL="1349960" algn="l" defTabSz="899974" rtl="0" eaLnBrk="1" latinLnBrk="0" hangingPunct="1">
+      <a:defRPr sz="1772" kern="1200">
         <a:solidFill>
           <a:schemeClr val="tx1"/>
         </a:solidFill>
@@ -53,8 +54,8 @@
         <a:cs typeface="+mn-cs"/>
       </a:defRPr>
     </a:lvl4pPr>
-    <a:lvl5pPr marL="1739920" algn="l" defTabSz="869960" rtl="0" eaLnBrk="1" latinLnBrk="0" hangingPunct="1">
-      <a:defRPr sz="1713" kern="1200">
+    <a:lvl5pPr marL="1799947" algn="l" defTabSz="899974" rtl="0" eaLnBrk="1" latinLnBrk="0" hangingPunct="1">
+      <a:defRPr sz="1772" kern="1200">
         <a:solidFill>
           <a:schemeClr val="tx1"/>
         </a:solidFill>
@@ -63,8 +64,8 @@
         <a:cs typeface="+mn-cs"/>
       </a:defRPr>
     </a:lvl5pPr>
-    <a:lvl6pPr marL="2174900" algn="l" defTabSz="869960" rtl="0" eaLnBrk="1" latinLnBrk="0" hangingPunct="1">
-      <a:defRPr sz="1713" kern="1200">
+    <a:lvl6pPr marL="2249934" algn="l" defTabSz="899974" rtl="0" eaLnBrk="1" latinLnBrk="0" hangingPunct="1">
+      <a:defRPr sz="1772" kern="1200">
         <a:solidFill>
           <a:schemeClr val="tx1"/>
         </a:solidFill>
@@ -73,8 +74,8 @@
         <a:cs typeface="+mn-cs"/>
       </a:defRPr>
     </a:lvl6pPr>
-    <a:lvl7pPr marL="2609880" algn="l" defTabSz="869960" rtl="0" eaLnBrk="1" latinLnBrk="0" hangingPunct="1">
-      <a:defRPr sz="1713" kern="1200">
+    <a:lvl7pPr marL="2699921" algn="l" defTabSz="899974" rtl="0" eaLnBrk="1" latinLnBrk="0" hangingPunct="1">
+      <a:defRPr sz="1772" kern="1200">
         <a:solidFill>
           <a:schemeClr val="tx1"/>
         </a:solidFill>
@@ -83,8 +84,8 @@
         <a:cs typeface="+mn-cs"/>
       </a:defRPr>
     </a:lvl7pPr>
-    <a:lvl8pPr marL="3044861" algn="l" defTabSz="869960" rtl="0" eaLnBrk="1" latinLnBrk="0" hangingPunct="1">
-      <a:defRPr sz="1713" kern="1200">
+    <a:lvl8pPr marL="3149909" algn="l" defTabSz="899974" rtl="0" eaLnBrk="1" latinLnBrk="0" hangingPunct="1">
+      <a:defRPr sz="1772" kern="1200">
         <a:solidFill>
           <a:schemeClr val="tx1"/>
         </a:solidFill>
@@ -93,8 +94,8 @@
         <a:cs typeface="+mn-cs"/>
       </a:defRPr>
     </a:lvl8pPr>
-    <a:lvl9pPr marL="3479841" algn="l" defTabSz="869960" rtl="0" eaLnBrk="1" latinLnBrk="0" hangingPunct="1">
-      <a:defRPr sz="1713" kern="1200">
+    <a:lvl9pPr marL="3599896" algn="l" defTabSz="899974" rtl="0" eaLnBrk="1" latinLnBrk="0" hangingPunct="1">
+      <a:defRPr sz="1772" kern="1200">
         <a:solidFill>
           <a:schemeClr val="tx1"/>
         </a:solidFill>
@@ -104,6 +105,11 @@
       </a:defRPr>
     </a:lvl9pPr>
   </p:defaultTextStyle>
+  <p:extLst>
+    <p:ext uri="{EFAFB233-063F-42B5-8137-9DF3F51BA10A}">
+      <p15:sldGuideLst xmlns:p15="http://schemas.microsoft.com/office/powerpoint/2012/main"/>
+    </p:ext>
+  </p:extLst>
 </p:presentation>
 </file>
 
@@ -136,15 +142,15 @@
         </p:nvSpPr>
         <p:spPr>
           <a:xfrm>
-            <a:off x="1484908" y="795267"/>
-            <a:ext cx="8909447" cy="1691770"/>
+            <a:off x="917972" y="1531818"/>
+            <a:ext cx="10403681" cy="3258632"/>
           </a:xfrm>
         </p:spPr>
         <p:txBody>
           <a:bodyPr anchor="b"/>
           <a:lstStyle>
             <a:lvl1pPr algn="ctr">
-              <a:defRPr sz="4252"/>
+              <a:defRPr sz="8031"/>
             </a:lvl1pPr>
           </a:lstStyle>
           <a:p>
@@ -168,8 +174,8 @@
         </p:nvSpPr>
         <p:spPr>
           <a:xfrm>
-            <a:off x="1484908" y="2552278"/>
-            <a:ext cx="8909447" cy="1173215"/>
+            <a:off x="1529953" y="4916115"/>
+            <a:ext cx="9179719" cy="2259809"/>
           </a:xfrm>
         </p:spPr>
         <p:txBody>
@@ -177,39 +183,39 @@
           <a:lstStyle>
             <a:lvl1pPr marL="0" indent="0" algn="ctr">
               <a:buNone/>
-              <a:defRPr sz="1701"/>
+              <a:defRPr sz="3212"/>
             </a:lvl1pPr>
-            <a:lvl2pPr marL="323972" indent="0" algn="ctr">
-              <a:buNone/>
-              <a:defRPr sz="1417"/>
+            <a:lvl2pPr marL="611962" indent="0" algn="ctr">
+              <a:buNone/>
+              <a:defRPr sz="2677"/>
             </a:lvl2pPr>
-            <a:lvl3pPr marL="647944" indent="0" algn="ctr">
-              <a:buNone/>
-              <a:defRPr sz="1275"/>
+            <a:lvl3pPr marL="1223924" indent="0" algn="ctr">
+              <a:buNone/>
+              <a:defRPr sz="2409"/>
             </a:lvl3pPr>
-            <a:lvl4pPr marL="971916" indent="0" algn="ctr">
-              <a:buNone/>
-              <a:defRPr sz="1134"/>
+            <a:lvl4pPr marL="1835887" indent="0" algn="ctr">
+              <a:buNone/>
+              <a:defRPr sz="2142"/>
             </a:lvl4pPr>
-            <a:lvl5pPr marL="1295888" indent="0" algn="ctr">
-              <a:buNone/>
-              <a:defRPr sz="1134"/>
+            <a:lvl5pPr marL="2447849" indent="0" algn="ctr">
+              <a:buNone/>
+              <a:defRPr sz="2142"/>
             </a:lvl5pPr>
-            <a:lvl6pPr marL="1619860" indent="0" algn="ctr">
-              <a:buNone/>
-              <a:defRPr sz="1134"/>
+            <a:lvl6pPr marL="3059811" indent="0" algn="ctr">
+              <a:buNone/>
+              <a:defRPr sz="2142"/>
             </a:lvl6pPr>
-            <a:lvl7pPr marL="1943832" indent="0" algn="ctr">
-              <a:buNone/>
-              <a:defRPr sz="1134"/>
+            <a:lvl7pPr marL="3671773" indent="0" algn="ctr">
+              <a:buNone/>
+              <a:defRPr sz="2142"/>
             </a:lvl7pPr>
-            <a:lvl8pPr marL="2267803" indent="0" algn="ctr">
-              <a:buNone/>
-              <a:defRPr sz="1134"/>
+            <a:lvl8pPr marL="4283735" indent="0" algn="ctr">
+              <a:buNone/>
+              <a:defRPr sz="2142"/>
             </a:lvl8pPr>
-            <a:lvl9pPr marL="2591775" indent="0" algn="ctr">
-              <a:buNone/>
-              <a:defRPr sz="1134"/>
+            <a:lvl9pPr marL="4895698" indent="0" algn="ctr">
+              <a:buNone/>
+              <a:defRPr sz="2142"/>
             </a:lvl9pPr>
           </a:lstStyle>
           <a:p>
@@ -238,7 +244,7 @@
           <a:p>
             <a:fld id="{ED1810B7-292D-4FDC-926E-DB6C6E635CC4}" type="datetimeFigureOut">
               <a:rPr lang="en-AU" smtClean="0"/>
-              <a:t>17/09/2018</a:t>
+              <a:t>6/10/2018</a:t>
             </a:fld>
             <a:endParaRPr lang="en-AU"/>
           </a:p>
@@ -289,7 +295,7 @@
     </p:spTree>
     <p:extLst>
       <p:ext uri="{BB962C8B-B14F-4D97-AF65-F5344CB8AC3E}">
-        <p14:creationId xmlns:p14="http://schemas.microsoft.com/office/powerpoint/2010/main" val="3466420627"/>
+        <p14:creationId xmlns:p14="http://schemas.microsoft.com/office/powerpoint/2010/main" val="2970239023"/>
       </p:ext>
     </p:extLst>
   </p:cSld>
@@ -408,7 +414,7 @@
           <a:p>
             <a:fld id="{ED1810B7-292D-4FDC-926E-DB6C6E635CC4}" type="datetimeFigureOut">
               <a:rPr lang="en-AU" smtClean="0"/>
-              <a:t>17/09/2018</a:t>
+              <a:t>6/10/2018</a:t>
             </a:fld>
             <a:endParaRPr lang="en-AU"/>
           </a:p>
@@ -459,7 +465,7 @@
     </p:spTree>
     <p:extLst>
       <p:ext uri="{BB962C8B-B14F-4D97-AF65-F5344CB8AC3E}">
-        <p14:creationId xmlns:p14="http://schemas.microsoft.com/office/powerpoint/2010/main" val="841363765"/>
+        <p14:creationId xmlns:p14="http://schemas.microsoft.com/office/powerpoint/2010/main" val="685105529"/>
       </p:ext>
     </p:extLst>
   </p:cSld>
@@ -498,8 +504,8 @@
         </p:nvSpPr>
         <p:spPr>
           <a:xfrm>
-            <a:off x="8501098" y="258715"/>
-            <a:ext cx="2561466" cy="4118064"/>
+            <a:off x="8758982" y="498328"/>
+            <a:ext cx="2639169" cy="7932083"/>
           </a:xfrm>
         </p:spPr>
         <p:txBody>
@@ -526,8 +532,8 @@
         </p:nvSpPr>
         <p:spPr>
           <a:xfrm>
-            <a:off x="816700" y="258715"/>
-            <a:ext cx="7535907" cy="4118064"/>
+            <a:off x="841475" y="498328"/>
+            <a:ext cx="7764512" cy="7932083"/>
           </a:xfrm>
         </p:spPr>
         <p:txBody>
@@ -588,7 +594,7 @@
           <a:p>
             <a:fld id="{ED1810B7-292D-4FDC-926E-DB6C6E635CC4}" type="datetimeFigureOut">
               <a:rPr lang="en-AU" smtClean="0"/>
-              <a:t>17/09/2018</a:t>
+              <a:t>6/10/2018</a:t>
             </a:fld>
             <a:endParaRPr lang="en-AU"/>
           </a:p>
@@ -639,7 +645,7 @@
     </p:spTree>
     <p:extLst>
       <p:ext uri="{BB962C8B-B14F-4D97-AF65-F5344CB8AC3E}">
-        <p14:creationId xmlns:p14="http://schemas.microsoft.com/office/powerpoint/2010/main" val="1117037692"/>
+        <p14:creationId xmlns:p14="http://schemas.microsoft.com/office/powerpoint/2010/main" val="2343202098"/>
       </p:ext>
     </p:extLst>
   </p:cSld>
@@ -758,7 +764,7 @@
           <a:p>
             <a:fld id="{ED1810B7-292D-4FDC-926E-DB6C6E635CC4}" type="datetimeFigureOut">
               <a:rPr lang="en-AU" smtClean="0"/>
-              <a:t>17/09/2018</a:t>
+              <a:t>6/10/2018</a:t>
             </a:fld>
             <a:endParaRPr lang="en-AU"/>
           </a:p>
@@ -809,7 +815,7 @@
     </p:spTree>
     <p:extLst>
       <p:ext uri="{BB962C8B-B14F-4D97-AF65-F5344CB8AC3E}">
-        <p14:creationId xmlns:p14="http://schemas.microsoft.com/office/powerpoint/2010/main" val="3291435964"/>
+        <p14:creationId xmlns:p14="http://schemas.microsoft.com/office/powerpoint/2010/main" val="2956619295"/>
       </p:ext>
     </p:extLst>
   </p:cSld>
@@ -848,15 +854,15 @@
         </p:nvSpPr>
         <p:spPr>
           <a:xfrm>
-            <a:off x="810512" y="1211461"/>
-            <a:ext cx="10245864" cy="2021349"/>
+            <a:off x="835100" y="2333478"/>
+            <a:ext cx="10556677" cy="3893458"/>
           </a:xfrm>
         </p:spPr>
         <p:txBody>
           <a:bodyPr anchor="b"/>
           <a:lstStyle>
             <a:lvl1pPr>
-              <a:defRPr sz="4252"/>
+              <a:defRPr sz="8031"/>
             </a:lvl1pPr>
           </a:lstStyle>
           <a:p>
@@ -880,8 +886,8 @@
         </p:nvSpPr>
         <p:spPr>
           <a:xfrm>
-            <a:off x="810512" y="3251933"/>
-            <a:ext cx="10245864" cy="1062980"/>
+            <a:off x="835100" y="6263769"/>
+            <a:ext cx="10556677" cy="2047477"/>
           </a:xfrm>
         </p:spPr>
         <p:txBody>
@@ -889,17 +895,15 @@
           <a:lstStyle>
             <a:lvl1pPr marL="0" indent="0">
               <a:buNone/>
-              <a:defRPr sz="1701">
+              <a:defRPr sz="3212">
                 <a:solidFill>
-                  <a:schemeClr val="tx1">
-                    <a:tint val="75000"/>
-                  </a:schemeClr>
+                  <a:schemeClr val="tx1"/>
                 </a:solidFill>
               </a:defRPr>
             </a:lvl1pPr>
-            <a:lvl2pPr marL="323972" indent="0">
-              <a:buNone/>
-              <a:defRPr sz="1417">
+            <a:lvl2pPr marL="611962" indent="0">
+              <a:buNone/>
+              <a:defRPr sz="2677">
                 <a:solidFill>
                   <a:schemeClr val="tx1">
                     <a:tint val="75000"/>
@@ -907,9 +911,9 @@
                 </a:solidFill>
               </a:defRPr>
             </a:lvl2pPr>
-            <a:lvl3pPr marL="647944" indent="0">
-              <a:buNone/>
-              <a:defRPr sz="1275">
+            <a:lvl3pPr marL="1223924" indent="0">
+              <a:buNone/>
+              <a:defRPr sz="2409">
                 <a:solidFill>
                   <a:schemeClr val="tx1">
                     <a:tint val="75000"/>
@@ -917,9 +921,9 @@
                 </a:solidFill>
               </a:defRPr>
             </a:lvl3pPr>
-            <a:lvl4pPr marL="971916" indent="0">
-              <a:buNone/>
-              <a:defRPr sz="1134">
+            <a:lvl4pPr marL="1835887" indent="0">
+              <a:buNone/>
+              <a:defRPr sz="2142">
                 <a:solidFill>
                   <a:schemeClr val="tx1">
                     <a:tint val="75000"/>
@@ -927,9 +931,9 @@
                 </a:solidFill>
               </a:defRPr>
             </a:lvl4pPr>
-            <a:lvl5pPr marL="1295888" indent="0">
-              <a:buNone/>
-              <a:defRPr sz="1134">
+            <a:lvl5pPr marL="2447849" indent="0">
+              <a:buNone/>
+              <a:defRPr sz="2142">
                 <a:solidFill>
                   <a:schemeClr val="tx1">
                     <a:tint val="75000"/>
@@ -937,9 +941,9 @@
                 </a:solidFill>
               </a:defRPr>
             </a:lvl5pPr>
-            <a:lvl6pPr marL="1619860" indent="0">
-              <a:buNone/>
-              <a:defRPr sz="1134">
+            <a:lvl6pPr marL="3059811" indent="0">
+              <a:buNone/>
+              <a:defRPr sz="2142">
                 <a:solidFill>
                   <a:schemeClr val="tx1">
                     <a:tint val="75000"/>
@@ -947,9 +951,9 @@
                 </a:solidFill>
               </a:defRPr>
             </a:lvl6pPr>
-            <a:lvl7pPr marL="1943832" indent="0">
-              <a:buNone/>
-              <a:defRPr sz="1134">
+            <a:lvl7pPr marL="3671773" indent="0">
+              <a:buNone/>
+              <a:defRPr sz="2142">
                 <a:solidFill>
                   <a:schemeClr val="tx1">
                     <a:tint val="75000"/>
@@ -957,9 +961,9 @@
                 </a:solidFill>
               </a:defRPr>
             </a:lvl7pPr>
-            <a:lvl8pPr marL="2267803" indent="0">
-              <a:buNone/>
-              <a:defRPr sz="1134">
+            <a:lvl8pPr marL="4283735" indent="0">
+              <a:buNone/>
+              <a:defRPr sz="2142">
                 <a:solidFill>
                   <a:schemeClr val="tx1">
                     <a:tint val="75000"/>
@@ -967,9 +971,9 @@
                 </a:solidFill>
               </a:defRPr>
             </a:lvl8pPr>
-            <a:lvl9pPr marL="2591775" indent="0">
-              <a:buNone/>
-              <a:defRPr sz="1134">
+            <a:lvl9pPr marL="4895698" indent="0">
+              <a:buNone/>
+              <a:defRPr sz="2142">
                 <a:solidFill>
                   <a:schemeClr val="tx1">
                     <a:tint val="75000"/>
@@ -1004,7 +1008,7 @@
           <a:p>
             <a:fld id="{ED1810B7-292D-4FDC-926E-DB6C6E635CC4}" type="datetimeFigureOut">
               <a:rPr lang="en-AU" smtClean="0"/>
-              <a:t>17/09/2018</a:t>
+              <a:t>6/10/2018</a:t>
             </a:fld>
             <a:endParaRPr lang="en-AU"/>
           </a:p>
@@ -1055,7 +1059,7 @@
     </p:spTree>
     <p:extLst>
       <p:ext uri="{BB962C8B-B14F-4D97-AF65-F5344CB8AC3E}">
-        <p14:creationId xmlns:p14="http://schemas.microsoft.com/office/powerpoint/2010/main" val="1347303096"/>
+        <p14:creationId xmlns:p14="http://schemas.microsoft.com/office/powerpoint/2010/main" val="2098243696"/>
       </p:ext>
     </p:extLst>
   </p:cSld>
@@ -1117,8 +1121,8 @@
         </p:nvSpPr>
         <p:spPr>
           <a:xfrm>
-            <a:off x="816699" y="1293574"/>
-            <a:ext cx="5048687" cy="3083205"/>
+            <a:off x="841474" y="2491640"/>
+            <a:ext cx="5201841" cy="5938771"/>
           </a:xfrm>
         </p:spPr>
         <p:txBody>
@@ -1174,8 +1178,8 @@
         </p:nvSpPr>
         <p:spPr>
           <a:xfrm>
-            <a:off x="6013877" y="1293574"/>
-            <a:ext cx="5048687" cy="3083205"/>
+            <a:off x="6196310" y="2491640"/>
+            <a:ext cx="5201841" cy="5938771"/>
           </a:xfrm>
         </p:spPr>
         <p:txBody>
@@ -1236,7 +1240,7 @@
           <a:p>
             <a:fld id="{ED1810B7-292D-4FDC-926E-DB6C6E635CC4}" type="datetimeFigureOut">
               <a:rPr lang="en-AU" smtClean="0"/>
-              <a:t>17/09/2018</a:t>
+              <a:t>6/10/2018</a:t>
             </a:fld>
             <a:endParaRPr lang="en-AU"/>
           </a:p>
@@ -1287,7 +1291,7 @@
     </p:spTree>
     <p:extLst>
       <p:ext uri="{BB962C8B-B14F-4D97-AF65-F5344CB8AC3E}">
-        <p14:creationId xmlns:p14="http://schemas.microsoft.com/office/powerpoint/2010/main" val="539835524"/>
+        <p14:creationId xmlns:p14="http://schemas.microsoft.com/office/powerpoint/2010/main" val="1742756545"/>
       </p:ext>
     </p:extLst>
   </p:cSld>
@@ -1326,8 +1330,8 @@
         </p:nvSpPr>
         <p:spPr>
           <a:xfrm>
-            <a:off x="818247" y="258715"/>
-            <a:ext cx="10245864" cy="939247"/>
+            <a:off x="843068" y="498330"/>
+            <a:ext cx="10556677" cy="1809148"/>
           </a:xfrm>
         </p:spPr>
         <p:txBody>
@@ -1354,8 +1358,8 @@
         </p:nvSpPr>
         <p:spPr>
           <a:xfrm>
-            <a:off x="818247" y="1191213"/>
-            <a:ext cx="5025485" cy="583795"/>
+            <a:off x="843070" y="2294476"/>
+            <a:ext cx="5177934" cy="1124487"/>
           </a:xfrm>
         </p:spPr>
         <p:txBody>
@@ -1363,39 +1367,39 @@
           <a:lstStyle>
             <a:lvl1pPr marL="0" indent="0">
               <a:buNone/>
-              <a:defRPr sz="1701" b="1"/>
+              <a:defRPr sz="3212" b="1"/>
             </a:lvl1pPr>
-            <a:lvl2pPr marL="323972" indent="0">
-              <a:buNone/>
-              <a:defRPr sz="1417" b="1"/>
+            <a:lvl2pPr marL="611962" indent="0">
+              <a:buNone/>
+              <a:defRPr sz="2677" b="1"/>
             </a:lvl2pPr>
-            <a:lvl3pPr marL="647944" indent="0">
-              <a:buNone/>
-              <a:defRPr sz="1275" b="1"/>
+            <a:lvl3pPr marL="1223924" indent="0">
+              <a:buNone/>
+              <a:defRPr sz="2409" b="1"/>
             </a:lvl3pPr>
-            <a:lvl4pPr marL="971916" indent="0">
-              <a:buNone/>
-              <a:defRPr sz="1134" b="1"/>
+            <a:lvl4pPr marL="1835887" indent="0">
+              <a:buNone/>
+              <a:defRPr sz="2142" b="1"/>
             </a:lvl4pPr>
-            <a:lvl5pPr marL="1295888" indent="0">
-              <a:buNone/>
-              <a:defRPr sz="1134" b="1"/>
+            <a:lvl5pPr marL="2447849" indent="0">
+              <a:buNone/>
+              <a:defRPr sz="2142" b="1"/>
             </a:lvl5pPr>
-            <a:lvl6pPr marL="1619860" indent="0">
-              <a:buNone/>
-              <a:defRPr sz="1134" b="1"/>
+            <a:lvl6pPr marL="3059811" indent="0">
+              <a:buNone/>
+              <a:defRPr sz="2142" b="1"/>
             </a:lvl6pPr>
-            <a:lvl7pPr marL="1943832" indent="0">
-              <a:buNone/>
-              <a:defRPr sz="1134" b="1"/>
+            <a:lvl7pPr marL="3671773" indent="0">
+              <a:buNone/>
+              <a:defRPr sz="2142" b="1"/>
             </a:lvl7pPr>
-            <a:lvl8pPr marL="2267803" indent="0">
-              <a:buNone/>
-              <a:defRPr sz="1134" b="1"/>
+            <a:lvl8pPr marL="4283735" indent="0">
+              <a:buNone/>
+              <a:defRPr sz="2142" b="1"/>
             </a:lvl8pPr>
-            <a:lvl9pPr marL="2591775" indent="0">
-              <a:buNone/>
-              <a:defRPr sz="1134" b="1"/>
+            <a:lvl9pPr marL="4895698" indent="0">
+              <a:buNone/>
+              <a:defRPr sz="2142" b="1"/>
             </a:lvl9pPr>
           </a:lstStyle>
           <a:p>
@@ -1419,8 +1423,8 @@
         </p:nvSpPr>
         <p:spPr>
           <a:xfrm>
-            <a:off x="818247" y="1775008"/>
-            <a:ext cx="5025485" cy="2610770"/>
+            <a:off x="843070" y="3418964"/>
+            <a:ext cx="5177934" cy="5028780"/>
           </a:xfrm>
         </p:spPr>
         <p:txBody>
@@ -1476,8 +1480,8 @@
         </p:nvSpPr>
         <p:spPr>
           <a:xfrm>
-            <a:off x="6013877" y="1191213"/>
-            <a:ext cx="5050234" cy="583795"/>
+            <a:off x="6196311" y="2294476"/>
+            <a:ext cx="5203435" cy="1124487"/>
           </a:xfrm>
         </p:spPr>
         <p:txBody>
@@ -1485,39 +1489,39 @@
           <a:lstStyle>
             <a:lvl1pPr marL="0" indent="0">
               <a:buNone/>
-              <a:defRPr sz="1701" b="1"/>
+              <a:defRPr sz="3212" b="1"/>
             </a:lvl1pPr>
-            <a:lvl2pPr marL="323972" indent="0">
-              <a:buNone/>
-              <a:defRPr sz="1417" b="1"/>
+            <a:lvl2pPr marL="611962" indent="0">
+              <a:buNone/>
+              <a:defRPr sz="2677" b="1"/>
             </a:lvl2pPr>
-            <a:lvl3pPr marL="647944" indent="0">
-              <a:buNone/>
-              <a:defRPr sz="1275" b="1"/>
+            <a:lvl3pPr marL="1223924" indent="0">
+              <a:buNone/>
+              <a:defRPr sz="2409" b="1"/>
             </a:lvl3pPr>
-            <a:lvl4pPr marL="971916" indent="0">
-              <a:buNone/>
-              <a:defRPr sz="1134" b="1"/>
+            <a:lvl4pPr marL="1835887" indent="0">
+              <a:buNone/>
+              <a:defRPr sz="2142" b="1"/>
             </a:lvl4pPr>
-            <a:lvl5pPr marL="1295888" indent="0">
-              <a:buNone/>
-              <a:defRPr sz="1134" b="1"/>
+            <a:lvl5pPr marL="2447849" indent="0">
+              <a:buNone/>
+              <a:defRPr sz="2142" b="1"/>
             </a:lvl5pPr>
-            <a:lvl6pPr marL="1619860" indent="0">
-              <a:buNone/>
-              <a:defRPr sz="1134" b="1"/>
+            <a:lvl6pPr marL="3059811" indent="0">
+              <a:buNone/>
+              <a:defRPr sz="2142" b="1"/>
             </a:lvl6pPr>
-            <a:lvl7pPr marL="1943832" indent="0">
-              <a:buNone/>
-              <a:defRPr sz="1134" b="1"/>
+            <a:lvl7pPr marL="3671773" indent="0">
+              <a:buNone/>
+              <a:defRPr sz="2142" b="1"/>
             </a:lvl7pPr>
-            <a:lvl8pPr marL="2267803" indent="0">
-              <a:buNone/>
-              <a:defRPr sz="1134" b="1"/>
+            <a:lvl8pPr marL="4283735" indent="0">
+              <a:buNone/>
+              <a:defRPr sz="2142" b="1"/>
             </a:lvl8pPr>
-            <a:lvl9pPr marL="2591775" indent="0">
-              <a:buNone/>
-              <a:defRPr sz="1134" b="1"/>
+            <a:lvl9pPr marL="4895698" indent="0">
+              <a:buNone/>
+              <a:defRPr sz="2142" b="1"/>
             </a:lvl9pPr>
           </a:lstStyle>
           <a:p>
@@ -1541,8 +1545,8 @@
         </p:nvSpPr>
         <p:spPr>
           <a:xfrm>
-            <a:off x="6013877" y="1775008"/>
-            <a:ext cx="5050234" cy="2610770"/>
+            <a:off x="6196311" y="3418964"/>
+            <a:ext cx="5203435" cy="5028780"/>
           </a:xfrm>
         </p:spPr>
         <p:txBody>
@@ -1603,7 +1607,7 @@
           <a:p>
             <a:fld id="{ED1810B7-292D-4FDC-926E-DB6C6E635CC4}" type="datetimeFigureOut">
               <a:rPr lang="en-AU" smtClean="0"/>
-              <a:t>17/09/2018</a:t>
+              <a:t>6/10/2018</a:t>
             </a:fld>
             <a:endParaRPr lang="en-AU"/>
           </a:p>
@@ -1654,7 +1658,7 @@
     </p:spTree>
     <p:extLst>
       <p:ext uri="{BB962C8B-B14F-4D97-AF65-F5344CB8AC3E}">
-        <p14:creationId xmlns:p14="http://schemas.microsoft.com/office/powerpoint/2010/main" val="1011331409"/>
+        <p14:creationId xmlns:p14="http://schemas.microsoft.com/office/powerpoint/2010/main" val="2348751180"/>
       </p:ext>
     </p:extLst>
   </p:cSld>
@@ -1721,7 +1725,7 @@
           <a:p>
             <a:fld id="{ED1810B7-292D-4FDC-926E-DB6C6E635CC4}" type="datetimeFigureOut">
               <a:rPr lang="en-AU" smtClean="0"/>
-              <a:t>17/09/2018</a:t>
+              <a:t>6/10/2018</a:t>
             </a:fld>
             <a:endParaRPr lang="en-AU"/>
           </a:p>
@@ -1772,7 +1776,7 @@
     </p:spTree>
     <p:extLst>
       <p:ext uri="{BB962C8B-B14F-4D97-AF65-F5344CB8AC3E}">
-        <p14:creationId xmlns:p14="http://schemas.microsoft.com/office/powerpoint/2010/main" val="772674272"/>
+        <p14:creationId xmlns:p14="http://schemas.microsoft.com/office/powerpoint/2010/main" val="1318902541"/>
       </p:ext>
     </p:extLst>
   </p:cSld>
@@ -1816,7 +1820,7 @@
           <a:p>
             <a:fld id="{ED1810B7-292D-4FDC-926E-DB6C6E635CC4}" type="datetimeFigureOut">
               <a:rPr lang="en-AU" smtClean="0"/>
-              <a:t>17/09/2018</a:t>
+              <a:t>6/10/2018</a:t>
             </a:fld>
             <a:endParaRPr lang="en-AU"/>
           </a:p>
@@ -1867,7 +1871,7 @@
     </p:spTree>
     <p:extLst>
       <p:ext uri="{BB962C8B-B14F-4D97-AF65-F5344CB8AC3E}">
-        <p14:creationId xmlns:p14="http://schemas.microsoft.com/office/powerpoint/2010/main" val="3102283468"/>
+        <p14:creationId xmlns:p14="http://schemas.microsoft.com/office/powerpoint/2010/main" val="4118089621"/>
       </p:ext>
     </p:extLst>
   </p:cSld>
@@ -1906,15 +1910,15 @@
         </p:nvSpPr>
         <p:spPr>
           <a:xfrm>
-            <a:off x="818247" y="323956"/>
-            <a:ext cx="3831371" cy="1133846"/>
+            <a:off x="843068" y="623993"/>
+            <a:ext cx="3947598" cy="2183977"/>
           </a:xfrm>
         </p:spPr>
         <p:txBody>
           <a:bodyPr anchor="b"/>
           <a:lstStyle>
             <a:lvl1pPr>
-              <a:defRPr sz="2268"/>
+              <a:defRPr sz="4283"/>
             </a:lvl1pPr>
           </a:lstStyle>
           <a:p>
@@ -1938,39 +1942,39 @@
         </p:nvSpPr>
         <p:spPr>
           <a:xfrm>
-            <a:off x="5050234" y="699655"/>
-            <a:ext cx="6013877" cy="3453280"/>
+            <a:off x="5203435" y="1347654"/>
+            <a:ext cx="6196310" cy="6651596"/>
           </a:xfrm>
         </p:spPr>
         <p:txBody>
           <a:bodyPr/>
           <a:lstStyle>
             <a:lvl1pPr>
-              <a:defRPr sz="2268"/>
+              <a:defRPr sz="4283"/>
             </a:lvl1pPr>
             <a:lvl2pPr>
-              <a:defRPr sz="1984"/>
+              <a:defRPr sz="3748"/>
             </a:lvl2pPr>
             <a:lvl3pPr>
-              <a:defRPr sz="1701"/>
+              <a:defRPr sz="3212"/>
             </a:lvl3pPr>
             <a:lvl4pPr>
-              <a:defRPr sz="1417"/>
+              <a:defRPr sz="2677"/>
             </a:lvl4pPr>
             <a:lvl5pPr>
-              <a:defRPr sz="1417"/>
+              <a:defRPr sz="2677"/>
             </a:lvl5pPr>
             <a:lvl6pPr>
-              <a:defRPr sz="1417"/>
+              <a:defRPr sz="2677"/>
             </a:lvl6pPr>
             <a:lvl7pPr>
-              <a:defRPr sz="1417"/>
+              <a:defRPr sz="2677"/>
             </a:lvl7pPr>
             <a:lvl8pPr>
-              <a:defRPr sz="1417"/>
+              <a:defRPr sz="2677"/>
             </a:lvl8pPr>
             <a:lvl9pPr>
-              <a:defRPr sz="1417"/>
+              <a:defRPr sz="2677"/>
             </a:lvl9pPr>
           </a:lstStyle>
           <a:p>
@@ -2023,8 +2027,8 @@
         </p:nvSpPr>
         <p:spPr>
           <a:xfrm>
-            <a:off x="818247" y="1457802"/>
-            <a:ext cx="3831371" cy="2700757"/>
+            <a:off x="843068" y="2807970"/>
+            <a:ext cx="3947598" cy="5202112"/>
           </a:xfrm>
         </p:spPr>
         <p:txBody>
@@ -2032,39 +2036,39 @@
           <a:lstStyle>
             <a:lvl1pPr marL="0" indent="0">
               <a:buNone/>
-              <a:defRPr sz="1134"/>
+              <a:defRPr sz="2142"/>
             </a:lvl1pPr>
-            <a:lvl2pPr marL="323972" indent="0">
-              <a:buNone/>
-              <a:defRPr sz="992"/>
+            <a:lvl2pPr marL="611962" indent="0">
+              <a:buNone/>
+              <a:defRPr sz="1874"/>
             </a:lvl2pPr>
-            <a:lvl3pPr marL="647944" indent="0">
-              <a:buNone/>
-              <a:defRPr sz="850"/>
+            <a:lvl3pPr marL="1223924" indent="0">
+              <a:buNone/>
+              <a:defRPr sz="1606"/>
             </a:lvl3pPr>
-            <a:lvl4pPr marL="971916" indent="0">
-              <a:buNone/>
-              <a:defRPr sz="709"/>
+            <a:lvl4pPr marL="1835887" indent="0">
+              <a:buNone/>
+              <a:defRPr sz="1339"/>
             </a:lvl4pPr>
-            <a:lvl5pPr marL="1295888" indent="0">
-              <a:buNone/>
-              <a:defRPr sz="709"/>
+            <a:lvl5pPr marL="2447849" indent="0">
+              <a:buNone/>
+              <a:defRPr sz="1339"/>
             </a:lvl5pPr>
-            <a:lvl6pPr marL="1619860" indent="0">
-              <a:buNone/>
-              <a:defRPr sz="709"/>
+            <a:lvl6pPr marL="3059811" indent="0">
+              <a:buNone/>
+              <a:defRPr sz="1339"/>
             </a:lvl6pPr>
-            <a:lvl7pPr marL="1943832" indent="0">
-              <a:buNone/>
-              <a:defRPr sz="709"/>
+            <a:lvl7pPr marL="3671773" indent="0">
+              <a:buNone/>
+              <a:defRPr sz="1339"/>
             </a:lvl7pPr>
-            <a:lvl8pPr marL="2267803" indent="0">
-              <a:buNone/>
-              <a:defRPr sz="709"/>
+            <a:lvl8pPr marL="4283735" indent="0">
+              <a:buNone/>
+              <a:defRPr sz="1339"/>
             </a:lvl8pPr>
-            <a:lvl9pPr marL="2591775" indent="0">
-              <a:buNone/>
-              <a:defRPr sz="709"/>
+            <a:lvl9pPr marL="4895698" indent="0">
+              <a:buNone/>
+              <a:defRPr sz="1339"/>
             </a:lvl9pPr>
           </a:lstStyle>
           <a:p>
@@ -2093,7 +2097,7 @@
           <a:p>
             <a:fld id="{ED1810B7-292D-4FDC-926E-DB6C6E635CC4}" type="datetimeFigureOut">
               <a:rPr lang="en-AU" smtClean="0"/>
-              <a:t>17/09/2018</a:t>
+              <a:t>6/10/2018</a:t>
             </a:fld>
             <a:endParaRPr lang="en-AU"/>
           </a:p>
@@ -2144,7 +2148,7 @@
     </p:spTree>
     <p:extLst>
       <p:ext uri="{BB962C8B-B14F-4D97-AF65-F5344CB8AC3E}">
-        <p14:creationId xmlns:p14="http://schemas.microsoft.com/office/powerpoint/2010/main" val="3073155374"/>
+        <p14:creationId xmlns:p14="http://schemas.microsoft.com/office/powerpoint/2010/main" val="2666593998"/>
       </p:ext>
     </p:extLst>
   </p:cSld>
@@ -2183,15 +2187,15 @@
         </p:nvSpPr>
         <p:spPr>
           <a:xfrm>
-            <a:off x="818247" y="323956"/>
-            <a:ext cx="3831371" cy="1133846"/>
+            <a:off x="843068" y="623993"/>
+            <a:ext cx="3947598" cy="2183977"/>
           </a:xfrm>
         </p:spPr>
         <p:txBody>
           <a:bodyPr anchor="b"/>
           <a:lstStyle>
             <a:lvl1pPr>
-              <a:defRPr sz="2268"/>
+              <a:defRPr sz="4283"/>
             </a:lvl1pPr>
           </a:lstStyle>
           <a:p>
@@ -2215,8 +2219,8 @@
         </p:nvSpPr>
         <p:spPr>
           <a:xfrm>
-            <a:off x="5050234" y="699655"/>
-            <a:ext cx="6013877" cy="3453280"/>
+            <a:off x="5203435" y="1347654"/>
+            <a:ext cx="6196310" cy="6651596"/>
           </a:xfrm>
         </p:spPr>
         <p:txBody>
@@ -2224,39 +2228,39 @@
           <a:lstStyle>
             <a:lvl1pPr marL="0" indent="0">
               <a:buNone/>
-              <a:defRPr sz="2268"/>
+              <a:defRPr sz="4283"/>
             </a:lvl1pPr>
-            <a:lvl2pPr marL="323972" indent="0">
-              <a:buNone/>
-              <a:defRPr sz="1984"/>
+            <a:lvl2pPr marL="611962" indent="0">
+              <a:buNone/>
+              <a:defRPr sz="3748"/>
             </a:lvl2pPr>
-            <a:lvl3pPr marL="647944" indent="0">
-              <a:buNone/>
-              <a:defRPr sz="1701"/>
+            <a:lvl3pPr marL="1223924" indent="0">
+              <a:buNone/>
+              <a:defRPr sz="3212"/>
             </a:lvl3pPr>
-            <a:lvl4pPr marL="971916" indent="0">
-              <a:buNone/>
-              <a:defRPr sz="1417"/>
+            <a:lvl4pPr marL="1835887" indent="0">
+              <a:buNone/>
+              <a:defRPr sz="2677"/>
             </a:lvl4pPr>
-            <a:lvl5pPr marL="1295888" indent="0">
-              <a:buNone/>
-              <a:defRPr sz="1417"/>
+            <a:lvl5pPr marL="2447849" indent="0">
+              <a:buNone/>
+              <a:defRPr sz="2677"/>
             </a:lvl5pPr>
-            <a:lvl6pPr marL="1619860" indent="0">
-              <a:buNone/>
-              <a:defRPr sz="1417"/>
+            <a:lvl6pPr marL="3059811" indent="0">
+              <a:buNone/>
+              <a:defRPr sz="2677"/>
             </a:lvl6pPr>
-            <a:lvl7pPr marL="1943832" indent="0">
-              <a:buNone/>
-              <a:defRPr sz="1417"/>
+            <a:lvl7pPr marL="3671773" indent="0">
+              <a:buNone/>
+              <a:defRPr sz="2677"/>
             </a:lvl7pPr>
-            <a:lvl8pPr marL="2267803" indent="0">
-              <a:buNone/>
-              <a:defRPr sz="1417"/>
+            <a:lvl8pPr marL="4283735" indent="0">
+              <a:buNone/>
+              <a:defRPr sz="2677"/>
             </a:lvl8pPr>
-            <a:lvl9pPr marL="2591775" indent="0">
-              <a:buNone/>
-              <a:defRPr sz="1417"/>
+            <a:lvl9pPr marL="4895698" indent="0">
+              <a:buNone/>
+              <a:defRPr sz="2677"/>
             </a:lvl9pPr>
           </a:lstStyle>
           <a:p>
@@ -2280,8 +2284,8 @@
         </p:nvSpPr>
         <p:spPr>
           <a:xfrm>
-            <a:off x="818247" y="1457802"/>
-            <a:ext cx="3831371" cy="2700757"/>
+            <a:off x="843068" y="2807970"/>
+            <a:ext cx="3947598" cy="5202112"/>
           </a:xfrm>
         </p:spPr>
         <p:txBody>
@@ -2289,39 +2293,39 @@
           <a:lstStyle>
             <a:lvl1pPr marL="0" indent="0">
               <a:buNone/>
-              <a:defRPr sz="1134"/>
+              <a:defRPr sz="2142"/>
             </a:lvl1pPr>
-            <a:lvl2pPr marL="323972" indent="0">
-              <a:buNone/>
-              <a:defRPr sz="992"/>
+            <a:lvl2pPr marL="611962" indent="0">
+              <a:buNone/>
+              <a:defRPr sz="1874"/>
             </a:lvl2pPr>
-            <a:lvl3pPr marL="647944" indent="0">
-              <a:buNone/>
-              <a:defRPr sz="850"/>
+            <a:lvl3pPr marL="1223924" indent="0">
+              <a:buNone/>
+              <a:defRPr sz="1606"/>
             </a:lvl3pPr>
-            <a:lvl4pPr marL="971916" indent="0">
-              <a:buNone/>
-              <a:defRPr sz="709"/>
+            <a:lvl4pPr marL="1835887" indent="0">
+              <a:buNone/>
+              <a:defRPr sz="1339"/>
             </a:lvl4pPr>
-            <a:lvl5pPr marL="1295888" indent="0">
-              <a:buNone/>
-              <a:defRPr sz="709"/>
+            <a:lvl5pPr marL="2447849" indent="0">
+              <a:buNone/>
+              <a:defRPr sz="1339"/>
             </a:lvl5pPr>
-            <a:lvl6pPr marL="1619860" indent="0">
-              <a:buNone/>
-              <a:defRPr sz="709"/>
+            <a:lvl6pPr marL="3059811" indent="0">
+              <a:buNone/>
+              <a:defRPr sz="1339"/>
             </a:lvl6pPr>
-            <a:lvl7pPr marL="1943832" indent="0">
-              <a:buNone/>
-              <a:defRPr sz="709"/>
+            <a:lvl7pPr marL="3671773" indent="0">
+              <a:buNone/>
+              <a:defRPr sz="1339"/>
             </a:lvl7pPr>
-            <a:lvl8pPr marL="2267803" indent="0">
-              <a:buNone/>
-              <a:defRPr sz="709"/>
+            <a:lvl8pPr marL="4283735" indent="0">
+              <a:buNone/>
+              <a:defRPr sz="1339"/>
             </a:lvl8pPr>
-            <a:lvl9pPr marL="2591775" indent="0">
-              <a:buNone/>
-              <a:defRPr sz="709"/>
+            <a:lvl9pPr marL="4895698" indent="0">
+              <a:buNone/>
+              <a:defRPr sz="1339"/>
             </a:lvl9pPr>
           </a:lstStyle>
           <a:p>
@@ -2350,7 +2354,7 @@
           <a:p>
             <a:fld id="{ED1810B7-292D-4FDC-926E-DB6C6E635CC4}" type="datetimeFigureOut">
               <a:rPr lang="en-AU" smtClean="0"/>
-              <a:t>17/09/2018</a:t>
+              <a:t>6/10/2018</a:t>
             </a:fld>
             <a:endParaRPr lang="en-AU"/>
           </a:p>
@@ -2401,7 +2405,7 @@
     </p:spTree>
     <p:extLst>
       <p:ext uri="{BB962C8B-B14F-4D97-AF65-F5344CB8AC3E}">
-        <p14:creationId xmlns:p14="http://schemas.microsoft.com/office/powerpoint/2010/main" val="841936672"/>
+        <p14:creationId xmlns:p14="http://schemas.microsoft.com/office/powerpoint/2010/main" val="3685951701"/>
       </p:ext>
     </p:extLst>
   </p:cSld>
@@ -2445,8 +2449,8 @@
         </p:nvSpPr>
         <p:spPr>
           <a:xfrm>
-            <a:off x="816700" y="258715"/>
-            <a:ext cx="10245864" cy="939247"/>
+            <a:off x="841474" y="498330"/>
+            <a:ext cx="10556677" cy="1809148"/>
           </a:xfrm>
           <a:prstGeom prst="rect">
             <a:avLst/>
@@ -2478,8 +2482,8 @@
         </p:nvSpPr>
         <p:spPr>
           <a:xfrm>
-            <a:off x="816700" y="1293574"/>
-            <a:ext cx="10245864" cy="3083205"/>
+            <a:off x="841474" y="2491640"/>
+            <a:ext cx="10556677" cy="5938771"/>
           </a:xfrm>
           <a:prstGeom prst="rect">
             <a:avLst/>
@@ -2540,8 +2544,8 @@
         </p:nvSpPr>
         <p:spPr>
           <a:xfrm>
-            <a:off x="816699" y="4503887"/>
-            <a:ext cx="2672834" cy="258715"/>
+            <a:off x="841474" y="8675243"/>
+            <a:ext cx="2753916" cy="498328"/>
           </a:xfrm>
           <a:prstGeom prst="rect">
             <a:avLst/>
@@ -2551,7 +2555,7 @@
           <a:bodyPr vert="horz" lIns="91440" tIns="45720" rIns="91440" bIns="45720" rtlCol="0" anchor="ctr"/>
           <a:lstStyle>
             <a:lvl1pPr algn="l">
-              <a:defRPr sz="850">
+              <a:defRPr sz="1606">
                 <a:solidFill>
                   <a:schemeClr val="tx1">
                     <a:tint val="75000"/>
@@ -2563,7 +2567,7 @@
           <a:p>
             <a:fld id="{ED1810B7-292D-4FDC-926E-DB6C6E635CC4}" type="datetimeFigureOut">
               <a:rPr lang="en-AU" smtClean="0"/>
-              <a:t>17/09/2018</a:t>
+              <a:t>6/10/2018</a:t>
             </a:fld>
             <a:endParaRPr lang="en-AU"/>
           </a:p>
@@ -2581,8 +2585,8 @@
         </p:nvSpPr>
         <p:spPr>
           <a:xfrm>
-            <a:off x="3935006" y="4503887"/>
-            <a:ext cx="4009251" cy="258715"/>
+            <a:off x="4054376" y="8675243"/>
+            <a:ext cx="4130873" cy="498328"/>
           </a:xfrm>
           <a:prstGeom prst="rect">
             <a:avLst/>
@@ -2592,7 +2596,7 @@
           <a:bodyPr vert="horz" lIns="91440" tIns="45720" rIns="91440" bIns="45720" rtlCol="0" anchor="ctr"/>
           <a:lstStyle>
             <a:lvl1pPr algn="ctr">
-              <a:defRPr sz="850">
+              <a:defRPr sz="1606">
                 <a:solidFill>
                   <a:schemeClr val="tx1">
                     <a:tint val="75000"/>
@@ -2618,8 +2622,8 @@
         </p:nvSpPr>
         <p:spPr>
           <a:xfrm>
-            <a:off x="8389730" y="4503887"/>
-            <a:ext cx="2672834" cy="258715"/>
+            <a:off x="8644235" y="8675243"/>
+            <a:ext cx="2753916" cy="498328"/>
           </a:xfrm>
           <a:prstGeom prst="rect">
             <a:avLst/>
@@ -2629,7 +2633,7 @@
           <a:bodyPr vert="horz" lIns="91440" tIns="45720" rIns="91440" bIns="45720" rtlCol="0" anchor="ctr"/>
           <a:lstStyle>
             <a:lvl1pPr algn="r">
-              <a:defRPr sz="850">
+              <a:defRPr sz="1606">
                 <a:solidFill>
                   <a:schemeClr val="tx1">
                     <a:tint val="75000"/>
@@ -2650,27 +2654,27 @@
     </p:spTree>
     <p:extLst>
       <p:ext uri="{BB962C8B-B14F-4D97-AF65-F5344CB8AC3E}">
-        <p14:creationId xmlns:p14="http://schemas.microsoft.com/office/powerpoint/2010/main" val="2632314854"/>
+        <p14:creationId xmlns:p14="http://schemas.microsoft.com/office/powerpoint/2010/main" val="500839532"/>
       </p:ext>
     </p:extLst>
   </p:cSld>
   <p:clrMap bg1="lt1" tx1="dk1" bg2="lt2" tx2="dk2" accent1="accent1" accent2="accent2" accent3="accent3" accent4="accent4" accent5="accent5" accent6="accent6" hlink="hlink" folHlink="folHlink"/>
   <p:sldLayoutIdLst>
-    <p:sldLayoutId id="2147483673" r:id="rId1"/>
-    <p:sldLayoutId id="2147483674" r:id="rId2"/>
-    <p:sldLayoutId id="2147483675" r:id="rId3"/>
-    <p:sldLayoutId id="2147483676" r:id="rId4"/>
-    <p:sldLayoutId id="2147483677" r:id="rId5"/>
-    <p:sldLayoutId id="2147483678" r:id="rId6"/>
-    <p:sldLayoutId id="2147483679" r:id="rId7"/>
-    <p:sldLayoutId id="2147483680" r:id="rId8"/>
-    <p:sldLayoutId id="2147483681" r:id="rId9"/>
-    <p:sldLayoutId id="2147483682" r:id="rId10"/>
-    <p:sldLayoutId id="2147483683" r:id="rId11"/>
+    <p:sldLayoutId id="2147483697" r:id="rId1"/>
+    <p:sldLayoutId id="2147483698" r:id="rId2"/>
+    <p:sldLayoutId id="2147483699" r:id="rId3"/>
+    <p:sldLayoutId id="2147483700" r:id="rId4"/>
+    <p:sldLayoutId id="2147483701" r:id="rId5"/>
+    <p:sldLayoutId id="2147483702" r:id="rId6"/>
+    <p:sldLayoutId id="2147483703" r:id="rId7"/>
+    <p:sldLayoutId id="2147483704" r:id="rId8"/>
+    <p:sldLayoutId id="2147483705" r:id="rId9"/>
+    <p:sldLayoutId id="2147483706" r:id="rId10"/>
+    <p:sldLayoutId id="2147483707" r:id="rId11"/>
   </p:sldLayoutIdLst>
   <p:txStyles>
     <p:titleStyle>
-      <a:lvl1pPr algn="l" defTabSz="647944" rtl="0" eaLnBrk="1" latinLnBrk="0" hangingPunct="1">
+      <a:lvl1pPr algn="l" defTabSz="1223924" rtl="0" eaLnBrk="1" latinLnBrk="0" hangingPunct="1">
         <a:lnSpc>
           <a:spcPct val="90000"/>
         </a:lnSpc>
@@ -2678,7 +2682,7 @@
           <a:spcPct val="0"/>
         </a:spcBef>
         <a:buNone/>
-        <a:defRPr sz="3118" kern="1200">
+        <a:defRPr sz="5889" kern="1200">
           <a:solidFill>
             <a:schemeClr val="tx1"/>
           </a:solidFill>
@@ -2689,16 +2693,16 @@
       </a:lvl1pPr>
     </p:titleStyle>
     <p:bodyStyle>
-      <a:lvl1pPr marL="161986" indent="-161986" algn="l" defTabSz="647944" rtl="0" eaLnBrk="1" latinLnBrk="0" hangingPunct="1">
+      <a:lvl1pPr marL="305981" indent="-305981" algn="l" defTabSz="1223924" rtl="0" eaLnBrk="1" latinLnBrk="0" hangingPunct="1">
         <a:lnSpc>
           <a:spcPct val="90000"/>
         </a:lnSpc>
         <a:spcBef>
-          <a:spcPts val="709"/>
+          <a:spcPts val="1339"/>
         </a:spcBef>
         <a:buFont typeface="Arial" panose="020B0604020202020204" pitchFamily="34" charset="0"/>
         <a:buChar char="•"/>
-        <a:defRPr sz="1984" kern="1200">
+        <a:defRPr sz="3748" kern="1200">
           <a:solidFill>
             <a:schemeClr val="tx1"/>
           </a:solidFill>
@@ -2707,16 +2711,16 @@
           <a:cs typeface="+mn-cs"/>
         </a:defRPr>
       </a:lvl1pPr>
-      <a:lvl2pPr marL="485958" indent="-161986" algn="l" defTabSz="647944" rtl="0" eaLnBrk="1" latinLnBrk="0" hangingPunct="1">
+      <a:lvl2pPr marL="917943" indent="-305981" algn="l" defTabSz="1223924" rtl="0" eaLnBrk="1" latinLnBrk="0" hangingPunct="1">
         <a:lnSpc>
           <a:spcPct val="90000"/>
         </a:lnSpc>
         <a:spcBef>
-          <a:spcPts val="354"/>
+          <a:spcPts val="669"/>
         </a:spcBef>
         <a:buFont typeface="Arial" panose="020B0604020202020204" pitchFamily="34" charset="0"/>
         <a:buChar char="•"/>
-        <a:defRPr sz="1701" kern="1200">
+        <a:defRPr sz="3212" kern="1200">
           <a:solidFill>
             <a:schemeClr val="tx1"/>
           </a:solidFill>
@@ -2725,16 +2729,16 @@
           <a:cs typeface="+mn-cs"/>
         </a:defRPr>
       </a:lvl2pPr>
-      <a:lvl3pPr marL="809930" indent="-161986" algn="l" defTabSz="647944" rtl="0" eaLnBrk="1" latinLnBrk="0" hangingPunct="1">
+      <a:lvl3pPr marL="1529906" indent="-305981" algn="l" defTabSz="1223924" rtl="0" eaLnBrk="1" latinLnBrk="0" hangingPunct="1">
         <a:lnSpc>
           <a:spcPct val="90000"/>
         </a:lnSpc>
         <a:spcBef>
-          <a:spcPts val="354"/>
+          <a:spcPts val="669"/>
         </a:spcBef>
         <a:buFont typeface="Arial" panose="020B0604020202020204" pitchFamily="34" charset="0"/>
         <a:buChar char="•"/>
-        <a:defRPr sz="1417" kern="1200">
+        <a:defRPr sz="2677" kern="1200">
           <a:solidFill>
             <a:schemeClr val="tx1"/>
           </a:solidFill>
@@ -2743,16 +2747,16 @@
           <a:cs typeface="+mn-cs"/>
         </a:defRPr>
       </a:lvl3pPr>
-      <a:lvl4pPr marL="1133902" indent="-161986" algn="l" defTabSz="647944" rtl="0" eaLnBrk="1" latinLnBrk="0" hangingPunct="1">
+      <a:lvl4pPr marL="2141868" indent="-305981" algn="l" defTabSz="1223924" rtl="0" eaLnBrk="1" latinLnBrk="0" hangingPunct="1">
         <a:lnSpc>
           <a:spcPct val="90000"/>
         </a:lnSpc>
         <a:spcBef>
-          <a:spcPts val="354"/>
+          <a:spcPts val="669"/>
         </a:spcBef>
         <a:buFont typeface="Arial" panose="020B0604020202020204" pitchFamily="34" charset="0"/>
         <a:buChar char="•"/>
-        <a:defRPr sz="1275" kern="1200">
+        <a:defRPr sz="2409" kern="1200">
           <a:solidFill>
             <a:schemeClr val="tx1"/>
           </a:solidFill>
@@ -2761,16 +2765,16 @@
           <a:cs typeface="+mn-cs"/>
         </a:defRPr>
       </a:lvl4pPr>
-      <a:lvl5pPr marL="1457874" indent="-161986" algn="l" defTabSz="647944" rtl="0" eaLnBrk="1" latinLnBrk="0" hangingPunct="1">
+      <a:lvl5pPr marL="2753830" indent="-305981" algn="l" defTabSz="1223924" rtl="0" eaLnBrk="1" latinLnBrk="0" hangingPunct="1">
         <a:lnSpc>
           <a:spcPct val="90000"/>
         </a:lnSpc>
         <a:spcBef>
-          <a:spcPts val="354"/>
+          <a:spcPts val="669"/>
         </a:spcBef>
         <a:buFont typeface="Arial" panose="020B0604020202020204" pitchFamily="34" charset="0"/>
         <a:buChar char="•"/>
-        <a:defRPr sz="1275" kern="1200">
+        <a:defRPr sz="2409" kern="1200">
           <a:solidFill>
             <a:schemeClr val="tx1"/>
           </a:solidFill>
@@ -2779,16 +2783,16 @@
           <a:cs typeface="+mn-cs"/>
         </a:defRPr>
       </a:lvl5pPr>
-      <a:lvl6pPr marL="1781846" indent="-161986" algn="l" defTabSz="647944" rtl="0" eaLnBrk="1" latinLnBrk="0" hangingPunct="1">
+      <a:lvl6pPr marL="3365792" indent="-305981" algn="l" defTabSz="1223924" rtl="0" eaLnBrk="1" latinLnBrk="0" hangingPunct="1">
         <a:lnSpc>
           <a:spcPct val="90000"/>
         </a:lnSpc>
         <a:spcBef>
-          <a:spcPts val="354"/>
+          <a:spcPts val="669"/>
         </a:spcBef>
         <a:buFont typeface="Arial" panose="020B0604020202020204" pitchFamily="34" charset="0"/>
         <a:buChar char="•"/>
-        <a:defRPr sz="1275" kern="1200">
+        <a:defRPr sz="2409" kern="1200">
           <a:solidFill>
             <a:schemeClr val="tx1"/>
           </a:solidFill>
@@ -2797,16 +2801,16 @@
           <a:cs typeface="+mn-cs"/>
         </a:defRPr>
       </a:lvl6pPr>
-      <a:lvl7pPr marL="2105817" indent="-161986" algn="l" defTabSz="647944" rtl="0" eaLnBrk="1" latinLnBrk="0" hangingPunct="1">
+      <a:lvl7pPr marL="3977754" indent="-305981" algn="l" defTabSz="1223924" rtl="0" eaLnBrk="1" latinLnBrk="0" hangingPunct="1">
         <a:lnSpc>
           <a:spcPct val="90000"/>
         </a:lnSpc>
         <a:spcBef>
-          <a:spcPts val="354"/>
+          <a:spcPts val="669"/>
         </a:spcBef>
         <a:buFont typeface="Arial" panose="020B0604020202020204" pitchFamily="34" charset="0"/>
         <a:buChar char="•"/>
-        <a:defRPr sz="1275" kern="1200">
+        <a:defRPr sz="2409" kern="1200">
           <a:solidFill>
             <a:schemeClr val="tx1"/>
           </a:solidFill>
@@ -2815,16 +2819,16 @@
           <a:cs typeface="+mn-cs"/>
         </a:defRPr>
       </a:lvl7pPr>
-      <a:lvl8pPr marL="2429789" indent="-161986" algn="l" defTabSz="647944" rtl="0" eaLnBrk="1" latinLnBrk="0" hangingPunct="1">
+      <a:lvl8pPr marL="4589717" indent="-305981" algn="l" defTabSz="1223924" rtl="0" eaLnBrk="1" latinLnBrk="0" hangingPunct="1">
         <a:lnSpc>
           <a:spcPct val="90000"/>
         </a:lnSpc>
         <a:spcBef>
-          <a:spcPts val="354"/>
+          <a:spcPts val="669"/>
         </a:spcBef>
         <a:buFont typeface="Arial" panose="020B0604020202020204" pitchFamily="34" charset="0"/>
         <a:buChar char="•"/>
-        <a:defRPr sz="1275" kern="1200">
+        <a:defRPr sz="2409" kern="1200">
           <a:solidFill>
             <a:schemeClr val="tx1"/>
           </a:solidFill>
@@ -2833,16 +2837,16 @@
           <a:cs typeface="+mn-cs"/>
         </a:defRPr>
       </a:lvl8pPr>
-      <a:lvl9pPr marL="2753761" indent="-161986" algn="l" defTabSz="647944" rtl="0" eaLnBrk="1" latinLnBrk="0" hangingPunct="1">
+      <a:lvl9pPr marL="5201679" indent="-305981" algn="l" defTabSz="1223924" rtl="0" eaLnBrk="1" latinLnBrk="0" hangingPunct="1">
         <a:lnSpc>
           <a:spcPct val="90000"/>
         </a:lnSpc>
         <a:spcBef>
-          <a:spcPts val="354"/>
+          <a:spcPts val="669"/>
         </a:spcBef>
         <a:buFont typeface="Arial" panose="020B0604020202020204" pitchFamily="34" charset="0"/>
         <a:buChar char="•"/>
-        <a:defRPr sz="1275" kern="1200">
+        <a:defRPr sz="2409" kern="1200">
           <a:solidFill>
             <a:schemeClr val="tx1"/>
           </a:solidFill>
@@ -2856,8 +2860,8 @@
       <a:defPPr>
         <a:defRPr lang="en-US"/>
       </a:defPPr>
-      <a:lvl1pPr marL="0" algn="l" defTabSz="647944" rtl="0" eaLnBrk="1" latinLnBrk="0" hangingPunct="1">
-        <a:defRPr sz="1275" kern="1200">
+      <a:lvl1pPr marL="0" algn="l" defTabSz="1223924" rtl="0" eaLnBrk="1" latinLnBrk="0" hangingPunct="1">
+        <a:defRPr sz="2409" kern="1200">
           <a:solidFill>
             <a:schemeClr val="tx1"/>
           </a:solidFill>
@@ -2866,8 +2870,8 @@
           <a:cs typeface="+mn-cs"/>
         </a:defRPr>
       </a:lvl1pPr>
-      <a:lvl2pPr marL="323972" algn="l" defTabSz="647944" rtl="0" eaLnBrk="1" latinLnBrk="0" hangingPunct="1">
-        <a:defRPr sz="1275" kern="1200">
+      <a:lvl2pPr marL="611962" algn="l" defTabSz="1223924" rtl="0" eaLnBrk="1" latinLnBrk="0" hangingPunct="1">
+        <a:defRPr sz="2409" kern="1200">
           <a:solidFill>
             <a:schemeClr val="tx1"/>
           </a:solidFill>
@@ -2876,8 +2880,8 @@
           <a:cs typeface="+mn-cs"/>
         </a:defRPr>
       </a:lvl2pPr>
-      <a:lvl3pPr marL="647944" algn="l" defTabSz="647944" rtl="0" eaLnBrk="1" latinLnBrk="0" hangingPunct="1">
-        <a:defRPr sz="1275" kern="1200">
+      <a:lvl3pPr marL="1223924" algn="l" defTabSz="1223924" rtl="0" eaLnBrk="1" latinLnBrk="0" hangingPunct="1">
+        <a:defRPr sz="2409" kern="1200">
           <a:solidFill>
             <a:schemeClr val="tx1"/>
           </a:solidFill>
@@ -2886,8 +2890,8 @@
           <a:cs typeface="+mn-cs"/>
         </a:defRPr>
       </a:lvl3pPr>
-      <a:lvl4pPr marL="971916" algn="l" defTabSz="647944" rtl="0" eaLnBrk="1" latinLnBrk="0" hangingPunct="1">
-        <a:defRPr sz="1275" kern="1200">
+      <a:lvl4pPr marL="1835887" algn="l" defTabSz="1223924" rtl="0" eaLnBrk="1" latinLnBrk="0" hangingPunct="1">
+        <a:defRPr sz="2409" kern="1200">
           <a:solidFill>
             <a:schemeClr val="tx1"/>
           </a:solidFill>
@@ -2896,8 +2900,8 @@
           <a:cs typeface="+mn-cs"/>
         </a:defRPr>
       </a:lvl4pPr>
-      <a:lvl5pPr marL="1295888" algn="l" defTabSz="647944" rtl="0" eaLnBrk="1" latinLnBrk="0" hangingPunct="1">
-        <a:defRPr sz="1275" kern="1200">
+      <a:lvl5pPr marL="2447849" algn="l" defTabSz="1223924" rtl="0" eaLnBrk="1" latinLnBrk="0" hangingPunct="1">
+        <a:defRPr sz="2409" kern="1200">
           <a:solidFill>
             <a:schemeClr val="tx1"/>
           </a:solidFill>
@@ -2906,8 +2910,8 @@
           <a:cs typeface="+mn-cs"/>
         </a:defRPr>
       </a:lvl5pPr>
-      <a:lvl6pPr marL="1619860" algn="l" defTabSz="647944" rtl="0" eaLnBrk="1" latinLnBrk="0" hangingPunct="1">
-        <a:defRPr sz="1275" kern="1200">
+      <a:lvl6pPr marL="3059811" algn="l" defTabSz="1223924" rtl="0" eaLnBrk="1" latinLnBrk="0" hangingPunct="1">
+        <a:defRPr sz="2409" kern="1200">
           <a:solidFill>
             <a:schemeClr val="tx1"/>
           </a:solidFill>
@@ -2916,8 +2920,8 @@
           <a:cs typeface="+mn-cs"/>
         </a:defRPr>
       </a:lvl6pPr>
-      <a:lvl7pPr marL="1943832" algn="l" defTabSz="647944" rtl="0" eaLnBrk="1" latinLnBrk="0" hangingPunct="1">
-        <a:defRPr sz="1275" kern="1200">
+      <a:lvl7pPr marL="3671773" algn="l" defTabSz="1223924" rtl="0" eaLnBrk="1" latinLnBrk="0" hangingPunct="1">
+        <a:defRPr sz="2409" kern="1200">
           <a:solidFill>
             <a:schemeClr val="tx1"/>
           </a:solidFill>
@@ -2926,8 +2930,8 @@
           <a:cs typeface="+mn-cs"/>
         </a:defRPr>
       </a:lvl7pPr>
-      <a:lvl8pPr marL="2267803" algn="l" defTabSz="647944" rtl="0" eaLnBrk="1" latinLnBrk="0" hangingPunct="1">
-        <a:defRPr sz="1275" kern="1200">
+      <a:lvl8pPr marL="4283735" algn="l" defTabSz="1223924" rtl="0" eaLnBrk="1" latinLnBrk="0" hangingPunct="1">
+        <a:defRPr sz="2409" kern="1200">
           <a:solidFill>
             <a:schemeClr val="tx1"/>
           </a:solidFill>
@@ -2936,8 +2940,8 @@
           <a:cs typeface="+mn-cs"/>
         </a:defRPr>
       </a:lvl8pPr>
-      <a:lvl9pPr marL="2591775" algn="l" defTabSz="647944" rtl="0" eaLnBrk="1" latinLnBrk="0" hangingPunct="1">
-        <a:defRPr sz="1275" kern="1200">
+      <a:lvl9pPr marL="4895698" algn="l" defTabSz="1223924" rtl="0" eaLnBrk="1" latinLnBrk="0" hangingPunct="1">
+        <a:defRPr sz="2409" kern="1200">
           <a:solidFill>
             <a:schemeClr val="tx1"/>
           </a:solidFill>
@@ -2970,28 +2974,77 @@
       </p:grpSpPr>
       <p:pic>
         <p:nvPicPr>
-          <p:cNvPr id="4" name="Picture 3"/>
+          <p:cNvPr id="76" name="Picture 75"/>
           <p:cNvPicPr>
             <a:picLocks noChangeAspect="1"/>
           </p:cNvPicPr>
           <p:nvPr/>
         </p:nvPicPr>
         <p:blipFill>
-          <a:blip r:embed="rId2">
-            <a:extLst>
-              <a:ext uri="{28A0092B-C50C-407E-A947-70E740481C1C}">
-                <a14:useLocalDpi xmlns:a14="http://schemas.microsoft.com/office/drawing/2010/main" val="0"/>
-              </a:ext>
-            </a:extLst>
-          </a:blip>
+          <a:blip r:embed="rId2"/>
           <a:stretch>
             <a:fillRect/>
           </a:stretch>
         </p:blipFill>
         <p:spPr>
           <a:xfrm>
-            <a:off x="79388" y="162203"/>
-            <a:ext cx="7456046" cy="4501978"/>
+            <a:off x="345975" y="378168"/>
+            <a:ext cx="7381064" cy="4454651"/>
+          </a:xfrm>
+          <a:prstGeom prst="rect">
+            <a:avLst/>
+          </a:prstGeom>
+        </p:spPr>
+      </p:pic>
+      <p:pic>
+        <p:nvPicPr>
+          <p:cNvPr id="64" name="Picture 63"/>
+          <p:cNvPicPr>
+            <a:picLocks noChangeAspect="1"/>
+          </p:cNvPicPr>
+          <p:nvPr/>
+        </p:nvPicPr>
+        <p:blipFill>
+          <a:blip r:embed="rId3"/>
+          <a:stretch>
+            <a:fillRect/>
+          </a:stretch>
+        </p:blipFill>
+        <p:spPr>
+          <a:xfrm>
+            <a:off x="8413502" y="2597410"/>
+            <a:ext cx="3691276" cy="2072730"/>
+          </a:xfrm>
+          <a:prstGeom prst="rect">
+            <a:avLst/>
+          </a:prstGeom>
+          <a:ln w="38100">
+            <a:solidFill>
+              <a:schemeClr val="accent1">
+                <a:lumMod val="75000"/>
+              </a:schemeClr>
+            </a:solidFill>
+            <a:prstDash val="dash"/>
+          </a:ln>
+        </p:spPr>
+      </p:pic>
+      <p:pic>
+        <p:nvPicPr>
+          <p:cNvPr id="39" name="Picture 38"/>
+          <p:cNvPicPr>
+            <a:picLocks noChangeAspect="1"/>
+          </p:cNvPicPr>
+          <p:nvPr/>
+        </p:nvPicPr>
+        <p:blipFill rotWithShape="1">
+          <a:blip r:embed="rId4"/>
+          <a:srcRect l="5211" t="5509" r="5768" b="5805"/>
+          <a:stretch/>
+        </p:blipFill>
+        <p:spPr>
+          <a:xfrm>
+            <a:off x="3306846" y="1906390"/>
+            <a:ext cx="367200" cy="329063"/>
           </a:xfrm>
           <a:prstGeom prst="rect">
             <a:avLst/>
@@ -3007,8 +3060,17 @@
           <p:nvPr/>
         </p:nvPicPr>
         <p:blipFill rotWithShape="1">
-          <a:blip r:embed="rId3" cstate="print">
+          <a:blip r:embed="rId5" cstate="print">
             <a:extLst>
+              <a:ext uri="{BEBA8EAE-BF5A-486C-A8C5-ECC9F3942E4B}">
+                <a14:imgProps xmlns:a14="http://schemas.microsoft.com/office/drawing/2010/main">
+                  <a14:imgLayer r:embed="rId6">
+                    <a14:imgEffect>
+                      <a14:brightnessContrast bright="40000"/>
+                    </a14:imgEffect>
+                  </a14:imgLayer>
+                </a14:imgProps>
+              </a:ext>
               <a:ext uri="{28A0092B-C50C-407E-A947-70E740481C1C}">
                 <a14:useLocalDpi xmlns:a14="http://schemas.microsoft.com/office/drawing/2010/main" val="0"/>
               </a:ext>
@@ -3019,7 +3081,7 @@
         </p:blipFill>
         <p:spPr>
           <a:xfrm>
-            <a:off x="7669580" y="211631"/>
+            <a:off x="8092197" y="4896627"/>
             <a:ext cx="4113115" cy="2010033"/>
           </a:xfrm>
           <a:prstGeom prst="rect">
@@ -3036,16 +3098,16 @@
           <p:nvPr/>
         </p:nvPicPr>
         <p:blipFill rotWithShape="1">
-          <a:blip r:embed="rId4">
+          <a:blip r:embed="rId7">
             <a:extLst>
               <a:ext uri="{BEBA8EAE-BF5A-486C-A8C5-ECC9F3942E4B}">
                 <a14:imgProps xmlns:a14="http://schemas.microsoft.com/office/drawing/2010/main">
-                  <a14:imgLayer r:embed="rId5">
+                  <a14:imgLayer r:embed="rId8">
                     <a14:imgEffect>
                       <a14:sharpenSoften amount="25000"/>
                     </a14:imgEffect>
                     <a14:imgEffect>
-                      <a14:brightnessContrast bright="40000" contrast="40000"/>
+                      <a14:brightnessContrast bright="40000" contrast="20000"/>
                     </a14:imgEffect>
                   </a14:imgLayer>
                 </a14:imgProps>
@@ -3060,7 +3122,7 @@
         </p:blipFill>
         <p:spPr>
           <a:xfrm>
-            <a:off x="7669580" y="2295806"/>
+            <a:off x="8092198" y="6970813"/>
             <a:ext cx="4113115" cy="2294237"/>
           </a:xfrm>
           <a:prstGeom prst="rect">
@@ -3068,16 +3130,1344 @@
           </a:prstGeom>
         </p:spPr>
       </p:pic>
+      <p:pic>
+        <p:nvPicPr>
+          <p:cNvPr id="7" name="Picture 2"/>
+          <p:cNvPicPr>
+            <a:picLocks noChangeAspect="1" noChangeArrowheads="1"/>
+          </p:cNvPicPr>
+          <p:nvPr/>
+        </p:nvPicPr>
+        <p:blipFill>
+          <a:blip r:embed="rId9">
+            <a:extLst>
+              <a:ext uri="{BEBA8EAE-BF5A-486C-A8C5-ECC9F3942E4B}">
+                <a14:imgProps xmlns:a14="http://schemas.microsoft.com/office/drawing/2010/main">
+                  <a14:imgLayer r:embed="rId10">
+                    <a14:imgEffect>
+                      <a14:saturation sat="0"/>
+                    </a14:imgEffect>
+                    <a14:imgEffect>
+                      <a14:brightnessContrast bright="20000" contrast="-20000"/>
+                    </a14:imgEffect>
+                  </a14:imgLayer>
+                </a14:imgProps>
+              </a:ext>
+              <a:ext uri="{28A0092B-C50C-407E-A947-70E740481C1C}">
+                <a14:useLocalDpi xmlns:a14="http://schemas.microsoft.com/office/drawing/2010/main" val="0"/>
+              </a:ext>
+            </a:extLst>
+          </a:blip>
+          <a:srcRect/>
+          <a:stretch>
+            <a:fillRect/>
+          </a:stretch>
+        </p:blipFill>
+        <p:spPr bwMode="auto">
+          <a:xfrm>
+            <a:off x="332000" y="4906515"/>
+            <a:ext cx="7392174" cy="4358535"/>
+          </a:xfrm>
+          <a:prstGeom prst="rect">
+            <a:avLst/>
+          </a:prstGeom>
+          <a:noFill/>
+          <a:ln>
+            <a:noFill/>
+          </a:ln>
+          <a:extLst>
+            <a:ext uri="{909E8E84-426E-40DD-AFC4-6F175D3DCCD1}">
+              <a14:hiddenFill xmlns:a14="http://schemas.microsoft.com/office/drawing/2010/main">
+                <a:solidFill>
+                  <a:schemeClr val="accent1"/>
+                </a:solidFill>
+              </a14:hiddenFill>
+            </a:ext>
+            <a:ext uri="{91240B29-F687-4F45-9708-019B960494DF}">
+              <a14:hiddenLine xmlns:a14="http://schemas.microsoft.com/office/drawing/2010/main" w="9525">
+                <a:solidFill>
+                  <a:schemeClr val="tx1"/>
+                </a:solidFill>
+                <a:miter lim="800000"/>
+                <a:headEnd/>
+                <a:tailEnd/>
+              </a14:hiddenLine>
+            </a:ext>
+          </a:extLst>
+        </p:spPr>
+      </p:pic>
+      <p:grpSp>
+        <p:nvGrpSpPr>
+          <p:cNvPr id="8" name="Group 30"/>
+          <p:cNvGrpSpPr/>
+          <p:nvPr/>
+        </p:nvGrpSpPr>
+        <p:grpSpPr>
+          <a:xfrm>
+            <a:off x="12531731" y="2189538"/>
+            <a:ext cx="2802484" cy="2279862"/>
+            <a:chOff x="24646635" y="28814918"/>
+            <a:chExt cx="2857500" cy="2380993"/>
+          </a:xfrm>
+        </p:grpSpPr>
+        <p:pic>
+          <p:nvPicPr>
+            <p:cNvPr id="11" name="Picture 5"/>
+            <p:cNvPicPr>
+              <a:picLocks noChangeAspect="1" noChangeArrowheads="1"/>
+            </p:cNvPicPr>
+            <p:nvPr/>
+          </p:nvPicPr>
+          <p:blipFill rotWithShape="1">
+            <a:blip r:embed="rId11" cstate="print">
+              <a:extLst>
+                <a:ext uri="{28A0092B-C50C-407E-A947-70E740481C1C}">
+                  <a14:useLocalDpi xmlns:a14="http://schemas.microsoft.com/office/drawing/2010/main" val="0"/>
+                </a:ext>
+              </a:extLst>
+            </a:blip>
+            <a:srcRect l="45210" t="30741" r="23540" b="20371"/>
+            <a:stretch/>
+          </p:blipFill>
+          <p:spPr bwMode="auto">
+            <a:xfrm>
+              <a:off x="24646635" y="28814918"/>
+              <a:ext cx="2857500" cy="2380993"/>
+            </a:xfrm>
+            <a:prstGeom prst="rect">
+              <a:avLst/>
+            </a:prstGeom>
+            <a:noFill/>
+            <a:ln w="38100">
+              <a:solidFill>
+                <a:schemeClr val="accent1">
+                  <a:lumMod val="75000"/>
+                </a:schemeClr>
+              </a:solidFill>
+              <a:prstDash val="dash"/>
+              <a:miter lim="800000"/>
+              <a:headEnd/>
+              <a:tailEnd/>
+            </a:ln>
+            <a:extLst>
+              <a:ext uri="{909E8E84-426E-40DD-AFC4-6F175D3DCCD1}">
+                <a14:hiddenFill xmlns:a14="http://schemas.microsoft.com/office/drawing/2010/main">
+                  <a:solidFill>
+                    <a:schemeClr val="accent1"/>
+                  </a:solidFill>
+                </a14:hiddenFill>
+              </a:ext>
+            </a:extLst>
+          </p:spPr>
+        </p:pic>
+        <p:grpSp>
+          <p:nvGrpSpPr>
+            <p:cNvPr id="12" name="Group 32"/>
+            <p:cNvGrpSpPr/>
+            <p:nvPr/>
+          </p:nvGrpSpPr>
+          <p:grpSpPr>
+            <a:xfrm>
+              <a:off x="24796315" y="29879953"/>
+              <a:ext cx="2488330" cy="642602"/>
+              <a:chOff x="5945816" y="2193354"/>
+              <a:chExt cx="2488330" cy="678661"/>
+            </a:xfrm>
+          </p:grpSpPr>
+          <p:sp>
+            <p:nvSpPr>
+              <p:cNvPr id="13" name="TextBox 33"/>
+              <p:cNvSpPr txBox="1"/>
+              <p:nvPr/>
+            </p:nvSpPr>
+            <p:spPr>
+              <a:xfrm>
+                <a:off x="5945816" y="2193354"/>
+                <a:ext cx="620464" cy="346456"/>
+              </a:xfrm>
+              <a:prstGeom prst="rect">
+                <a:avLst/>
+              </a:prstGeom>
+              <a:noFill/>
+              <a:ln w="38100">
+                <a:noFill/>
+                <a:prstDash val="dash"/>
+              </a:ln>
+              <a:scene3d>
+                <a:camera prst="orthographicFront">
+                  <a:rot lat="1141157" lon="19363167" rev="20420005"/>
+                </a:camera>
+                <a:lightRig rig="threePt" dir="t"/>
+              </a:scene3d>
+            </p:spPr>
+            <p:txBody>
+              <a:bodyPr wrap="none" rtlCol="0">
+                <a:spAutoFit/>
+              </a:bodyPr>
+              <a:lstStyle/>
+              <a:p>
+                <a:r>
+                  <a:rPr lang="en-AU" sz="1200" b="1" dirty="0">
+                    <a:solidFill>
+                      <a:schemeClr val="bg1"/>
+                    </a:solidFill>
+                  </a:rPr>
+                  <a:t>2DEG</a:t>
+                </a:r>
+              </a:p>
+            </p:txBody>
+          </p:sp>
+          <p:sp>
+            <p:nvSpPr>
+              <p:cNvPr id="14" name="TextBox 34"/>
+              <p:cNvSpPr txBox="1"/>
+              <p:nvPr/>
+            </p:nvSpPr>
+            <p:spPr>
+              <a:xfrm>
+                <a:off x="7813682" y="2525559"/>
+                <a:ext cx="620464" cy="346456"/>
+              </a:xfrm>
+              <a:prstGeom prst="rect">
+                <a:avLst/>
+              </a:prstGeom>
+              <a:noFill/>
+              <a:ln w="38100">
+                <a:noFill/>
+                <a:prstDash val="dash"/>
+              </a:ln>
+              <a:scene3d>
+                <a:camera prst="orthographicFront">
+                  <a:rot lat="2000172" lon="18996797" rev="19648822"/>
+                </a:camera>
+                <a:lightRig rig="threePt" dir="t"/>
+              </a:scene3d>
+            </p:spPr>
+            <p:txBody>
+              <a:bodyPr wrap="none" rtlCol="0">
+                <a:spAutoFit/>
+              </a:bodyPr>
+              <a:lstStyle/>
+              <a:p>
+                <a:r>
+                  <a:rPr lang="en-AU" sz="1200" b="1" dirty="0">
+                    <a:solidFill>
+                      <a:schemeClr val="bg1"/>
+                    </a:solidFill>
+                  </a:rPr>
+                  <a:t>2DEG</a:t>
+                </a:r>
+              </a:p>
+            </p:txBody>
+          </p:sp>
+        </p:grpSp>
+      </p:grpSp>
+      <p:sp>
+        <p:nvSpPr>
+          <p:cNvPr id="23" name="Rectangle 22"/>
+          <p:cNvSpPr/>
+          <p:nvPr/>
+        </p:nvSpPr>
+        <p:spPr>
+          <a:xfrm>
+            <a:off x="6260190" y="2459174"/>
+            <a:ext cx="326182" cy="287383"/>
+          </a:xfrm>
+          <a:prstGeom prst="rect">
+            <a:avLst/>
+          </a:prstGeom>
+          <a:noFill/>
+          <a:ln w="28575">
+            <a:solidFill>
+              <a:srgbClr val="C00000"/>
+            </a:solidFill>
+            <a:prstDash val="sysDot"/>
+          </a:ln>
+        </p:spPr>
+        <p:style>
+          <a:lnRef idx="2">
+            <a:schemeClr val="accent1">
+              <a:shade val="50000"/>
+            </a:schemeClr>
+          </a:lnRef>
+          <a:fillRef idx="1">
+            <a:schemeClr val="accent1"/>
+          </a:fillRef>
+          <a:effectRef idx="0">
+            <a:schemeClr val="accent1"/>
+          </a:effectRef>
+          <a:fontRef idx="minor">
+            <a:schemeClr val="lt1"/>
+          </a:fontRef>
+        </p:style>
+        <p:txBody>
+          <a:bodyPr rot="0" spcFirstLastPara="0" vertOverflow="overflow" horzOverflow="overflow" vert="horz" wrap="square" lIns="91440" tIns="45720" rIns="91440" bIns="45720" numCol="1" spcCol="0" rtlCol="0" fromWordArt="0" anchor="ctr" anchorCtr="0" forceAA="0" compatLnSpc="1">
+            <a:prstTxWarp prst="textNoShape">
+              <a:avLst/>
+            </a:prstTxWarp>
+            <a:noAutofit/>
+          </a:bodyPr>
+          <a:lstStyle/>
+          <a:p>
+            <a:pPr algn="ctr"/>
+            <a:endParaRPr lang="en-AU"/>
+          </a:p>
+        </p:txBody>
+      </p:sp>
+      <p:sp>
+        <p:nvSpPr>
+          <p:cNvPr id="24" name="Rectangle 23"/>
+          <p:cNvSpPr/>
+          <p:nvPr/>
+        </p:nvSpPr>
+        <p:spPr>
+          <a:xfrm>
+            <a:off x="1518373" y="2459261"/>
+            <a:ext cx="326182" cy="287383"/>
+          </a:xfrm>
+          <a:prstGeom prst="rect">
+            <a:avLst/>
+          </a:prstGeom>
+          <a:noFill/>
+          <a:ln w="28575">
+            <a:solidFill>
+              <a:srgbClr val="C00000"/>
+            </a:solidFill>
+            <a:prstDash val="sysDot"/>
+          </a:ln>
+        </p:spPr>
+        <p:style>
+          <a:lnRef idx="2">
+            <a:schemeClr val="accent1">
+              <a:shade val="50000"/>
+            </a:schemeClr>
+          </a:lnRef>
+          <a:fillRef idx="1">
+            <a:schemeClr val="accent1"/>
+          </a:fillRef>
+          <a:effectRef idx="0">
+            <a:schemeClr val="accent1"/>
+          </a:effectRef>
+          <a:fontRef idx="minor">
+            <a:schemeClr val="lt1"/>
+          </a:fontRef>
+        </p:style>
+        <p:txBody>
+          <a:bodyPr rot="0" spcFirstLastPara="0" vertOverflow="overflow" horzOverflow="overflow" vert="horz" wrap="square" lIns="91440" tIns="45720" rIns="91440" bIns="45720" numCol="1" spcCol="0" rtlCol="0" fromWordArt="0" anchor="ctr" anchorCtr="0" forceAA="0" compatLnSpc="1">
+            <a:prstTxWarp prst="textNoShape">
+              <a:avLst/>
+            </a:prstTxWarp>
+            <a:noAutofit/>
+          </a:bodyPr>
+          <a:lstStyle/>
+          <a:p>
+            <a:pPr algn="ctr"/>
+            <a:endParaRPr lang="en-AU"/>
+          </a:p>
+        </p:txBody>
+      </p:sp>
+      <p:sp>
+        <p:nvSpPr>
+          <p:cNvPr id="25" name="Rectangle 24"/>
+          <p:cNvSpPr/>
+          <p:nvPr/>
+        </p:nvSpPr>
+        <p:spPr>
+          <a:xfrm>
+            <a:off x="3244267" y="1796816"/>
+            <a:ext cx="546653" cy="555845"/>
+          </a:xfrm>
+          <a:prstGeom prst="rect">
+            <a:avLst/>
+          </a:prstGeom>
+          <a:noFill/>
+          <a:ln w="28575">
+            <a:solidFill>
+              <a:schemeClr val="accent2">
+                <a:lumMod val="75000"/>
+              </a:schemeClr>
+            </a:solidFill>
+            <a:prstDash val="sysDot"/>
+          </a:ln>
+        </p:spPr>
+        <p:style>
+          <a:lnRef idx="2">
+            <a:schemeClr val="accent1">
+              <a:shade val="50000"/>
+            </a:schemeClr>
+          </a:lnRef>
+          <a:fillRef idx="1">
+            <a:schemeClr val="accent1"/>
+          </a:fillRef>
+          <a:effectRef idx="0">
+            <a:schemeClr val="accent1"/>
+          </a:effectRef>
+          <a:fontRef idx="minor">
+            <a:schemeClr val="lt1"/>
+          </a:fontRef>
+        </p:style>
+        <p:txBody>
+          <a:bodyPr rot="0" spcFirstLastPara="0" vertOverflow="overflow" horzOverflow="overflow" vert="horz" wrap="square" lIns="91440" tIns="45720" rIns="91440" bIns="45720" numCol="1" spcCol="0" rtlCol="0" fromWordArt="0" anchor="ctr" anchorCtr="0" forceAA="0" compatLnSpc="1">
+            <a:prstTxWarp prst="textNoShape">
+              <a:avLst/>
+            </a:prstTxWarp>
+            <a:noAutofit/>
+          </a:bodyPr>
+          <a:lstStyle/>
+          <a:p>
+            <a:pPr algn="ctr"/>
+            <a:endParaRPr lang="en-AU"/>
+          </a:p>
+        </p:txBody>
+      </p:sp>
+      <p:sp>
+        <p:nvSpPr>
+          <p:cNvPr id="26" name="Rectangle 25"/>
+          <p:cNvSpPr/>
+          <p:nvPr/>
+        </p:nvSpPr>
+        <p:spPr>
+          <a:xfrm>
+            <a:off x="5848442" y="2506984"/>
+            <a:ext cx="236348" cy="196117"/>
+          </a:xfrm>
+          <a:prstGeom prst="rect">
+            <a:avLst/>
+          </a:prstGeom>
+          <a:noFill/>
+          <a:ln w="28575">
+            <a:solidFill>
+              <a:schemeClr val="accent5">
+                <a:lumMod val="75000"/>
+              </a:schemeClr>
+            </a:solidFill>
+            <a:prstDash val="sysDot"/>
+          </a:ln>
+        </p:spPr>
+        <p:style>
+          <a:lnRef idx="2">
+            <a:schemeClr val="accent1">
+              <a:shade val="50000"/>
+            </a:schemeClr>
+          </a:lnRef>
+          <a:fillRef idx="1">
+            <a:schemeClr val="accent1"/>
+          </a:fillRef>
+          <a:effectRef idx="0">
+            <a:schemeClr val="accent1"/>
+          </a:effectRef>
+          <a:fontRef idx="minor">
+            <a:schemeClr val="lt1"/>
+          </a:fontRef>
+        </p:style>
+        <p:txBody>
+          <a:bodyPr rot="0" spcFirstLastPara="0" vertOverflow="overflow" horzOverflow="overflow" vert="horz" wrap="square" lIns="91440" tIns="45720" rIns="91440" bIns="45720" numCol="1" spcCol="0" rtlCol="0" fromWordArt="0" anchor="ctr" anchorCtr="0" forceAA="0" compatLnSpc="1">
+            <a:prstTxWarp prst="textNoShape">
+              <a:avLst/>
+            </a:prstTxWarp>
+            <a:noAutofit/>
+          </a:bodyPr>
+          <a:lstStyle/>
+          <a:p>
+            <a:pPr algn="ctr"/>
+            <a:endParaRPr lang="en-AU">
+              <a:solidFill>
+                <a:srgbClr val="0070C0"/>
+              </a:solidFill>
+            </a:endParaRPr>
+          </a:p>
+        </p:txBody>
+      </p:sp>
+      <p:sp>
+        <p:nvSpPr>
+          <p:cNvPr id="27" name="Rectangle 26"/>
+          <p:cNvSpPr/>
+          <p:nvPr/>
+        </p:nvSpPr>
+        <p:spPr>
+          <a:xfrm>
+            <a:off x="2002029" y="2499352"/>
+            <a:ext cx="236348" cy="196117"/>
+          </a:xfrm>
+          <a:prstGeom prst="rect">
+            <a:avLst/>
+          </a:prstGeom>
+          <a:noFill/>
+          <a:ln w="28575">
+            <a:solidFill>
+              <a:schemeClr val="accent5">
+                <a:lumMod val="75000"/>
+              </a:schemeClr>
+            </a:solidFill>
+            <a:prstDash val="sysDot"/>
+          </a:ln>
+        </p:spPr>
+        <p:style>
+          <a:lnRef idx="2">
+            <a:schemeClr val="accent1">
+              <a:shade val="50000"/>
+            </a:schemeClr>
+          </a:lnRef>
+          <a:fillRef idx="1">
+            <a:schemeClr val="accent1"/>
+          </a:fillRef>
+          <a:effectRef idx="0">
+            <a:schemeClr val="accent1"/>
+          </a:effectRef>
+          <a:fontRef idx="minor">
+            <a:schemeClr val="lt1"/>
+          </a:fontRef>
+        </p:style>
+        <p:txBody>
+          <a:bodyPr rot="0" spcFirstLastPara="0" vertOverflow="overflow" horzOverflow="overflow" vert="horz" wrap="square" lIns="91440" tIns="45720" rIns="91440" bIns="45720" numCol="1" spcCol="0" rtlCol="0" fromWordArt="0" anchor="ctr" anchorCtr="0" forceAA="0" compatLnSpc="1">
+            <a:prstTxWarp prst="textNoShape">
+              <a:avLst/>
+            </a:prstTxWarp>
+            <a:noAutofit/>
+          </a:bodyPr>
+          <a:lstStyle/>
+          <a:p>
+            <a:pPr algn="ctr"/>
+            <a:endParaRPr lang="en-AU">
+              <a:solidFill>
+                <a:srgbClr val="0070C0"/>
+              </a:solidFill>
+            </a:endParaRPr>
+          </a:p>
+        </p:txBody>
+      </p:sp>
+      <p:sp>
+        <p:nvSpPr>
+          <p:cNvPr id="33" name="TextBox 32"/>
+          <p:cNvSpPr txBox="1"/>
+          <p:nvPr/>
+        </p:nvSpPr>
+        <p:spPr>
+          <a:xfrm>
+            <a:off x="3662275" y="1487640"/>
+            <a:ext cx="1093373" cy="369332"/>
+          </a:xfrm>
+          <a:prstGeom prst="rect">
+            <a:avLst/>
+          </a:prstGeom>
+          <a:noFill/>
+        </p:spPr>
+        <p:txBody>
+          <a:bodyPr wrap="square" rtlCol="0">
+            <a:spAutoFit/>
+          </a:bodyPr>
+          <a:lstStyle/>
+          <a:p>
+            <a:r>
+              <a:rPr lang="en-AU" sz="1800" dirty="0">
+                <a:solidFill>
+                  <a:schemeClr val="accent2">
+                    <a:lumMod val="50000"/>
+                  </a:schemeClr>
+                </a:solidFill>
+              </a:rPr>
+              <a:t>Inductor</a:t>
+            </a:r>
+          </a:p>
+        </p:txBody>
+      </p:sp>
+      <p:sp>
+        <p:nvSpPr>
+          <p:cNvPr id="34" name="TextBox 33"/>
+          <p:cNvSpPr txBox="1"/>
+          <p:nvPr/>
+        </p:nvSpPr>
+        <p:spPr>
+          <a:xfrm>
+            <a:off x="1031216" y="2826609"/>
+            <a:ext cx="1300496" cy="369332"/>
+          </a:xfrm>
+          <a:prstGeom prst="rect">
+            <a:avLst/>
+          </a:prstGeom>
+          <a:noFill/>
+        </p:spPr>
+        <p:txBody>
+          <a:bodyPr wrap="square" rtlCol="0">
+            <a:spAutoFit/>
+          </a:bodyPr>
+          <a:lstStyle/>
+          <a:p>
+            <a:r>
+              <a:rPr lang="en-AU" sz="1800" dirty="0">
+                <a:solidFill>
+                  <a:srgbClr val="C00000"/>
+                </a:solidFill>
+              </a:rPr>
+              <a:t>Capacitor</a:t>
+            </a:r>
+          </a:p>
+        </p:txBody>
+      </p:sp>
+      <p:sp>
+        <p:nvSpPr>
+          <p:cNvPr id="35" name="TextBox 34"/>
+          <p:cNvSpPr txBox="1"/>
+          <p:nvPr/>
+        </p:nvSpPr>
+        <p:spPr>
+          <a:xfrm>
+            <a:off x="6084534" y="2876315"/>
+            <a:ext cx="1300496" cy="369332"/>
+          </a:xfrm>
+          <a:prstGeom prst="rect">
+            <a:avLst/>
+          </a:prstGeom>
+          <a:noFill/>
+        </p:spPr>
+        <p:txBody>
+          <a:bodyPr wrap="square" rtlCol="0">
+            <a:spAutoFit/>
+          </a:bodyPr>
+          <a:lstStyle/>
+          <a:p>
+            <a:r>
+              <a:rPr lang="en-AU" sz="1800" dirty="0">
+                <a:solidFill>
+                  <a:srgbClr val="C00000"/>
+                </a:solidFill>
+              </a:rPr>
+              <a:t>Capacitor</a:t>
+            </a:r>
+          </a:p>
+        </p:txBody>
+      </p:sp>
+      <p:sp>
+        <p:nvSpPr>
+          <p:cNvPr id="36" name="TextBox 35"/>
+          <p:cNvSpPr txBox="1"/>
+          <p:nvPr/>
+        </p:nvSpPr>
+        <p:spPr>
+          <a:xfrm>
+            <a:off x="2120203" y="2174694"/>
+            <a:ext cx="849049" cy="369332"/>
+          </a:xfrm>
+          <a:prstGeom prst="rect">
+            <a:avLst/>
+          </a:prstGeom>
+          <a:noFill/>
+          <a:ln>
+            <a:noFill/>
+          </a:ln>
+        </p:spPr>
+        <p:txBody>
+          <a:bodyPr wrap="square" rtlCol="0">
+            <a:spAutoFit/>
+          </a:bodyPr>
+          <a:lstStyle/>
+          <a:p>
+            <a:r>
+              <a:rPr lang="en-AU" sz="1800" dirty="0">
+                <a:solidFill>
+                  <a:srgbClr val="0070C0"/>
+                </a:solidFill>
+              </a:rPr>
+              <a:t>Qubit</a:t>
+            </a:r>
+          </a:p>
+        </p:txBody>
+      </p:sp>
+      <p:sp>
+        <p:nvSpPr>
+          <p:cNvPr id="37" name="TextBox 36"/>
+          <p:cNvSpPr txBox="1"/>
+          <p:nvPr/>
+        </p:nvSpPr>
+        <p:spPr>
+          <a:xfrm>
+            <a:off x="5235486" y="2174694"/>
+            <a:ext cx="849049" cy="369332"/>
+          </a:xfrm>
+          <a:prstGeom prst="rect">
+            <a:avLst/>
+          </a:prstGeom>
+          <a:noFill/>
+          <a:ln>
+            <a:noFill/>
+          </a:ln>
+        </p:spPr>
+        <p:txBody>
+          <a:bodyPr wrap="square" rtlCol="0">
+            <a:spAutoFit/>
+          </a:bodyPr>
+          <a:lstStyle/>
+          <a:p>
+            <a:r>
+              <a:rPr lang="en-AU" sz="1800" dirty="0">
+                <a:solidFill>
+                  <a:srgbClr val="0070C0"/>
+                </a:solidFill>
+              </a:rPr>
+              <a:t>Qubit</a:t>
+            </a:r>
+          </a:p>
+        </p:txBody>
+      </p:sp>
+      <p:pic>
+        <p:nvPicPr>
+          <p:cNvPr id="42" name="Picture 41"/>
+          <p:cNvPicPr>
+            <a:picLocks noChangeAspect="1"/>
+          </p:cNvPicPr>
+          <p:nvPr/>
+        </p:nvPicPr>
+        <p:blipFill>
+          <a:blip r:embed="rId12"/>
+          <a:stretch>
+            <a:fillRect/>
+          </a:stretch>
+        </p:blipFill>
+        <p:spPr>
+          <a:xfrm>
+            <a:off x="8401046" y="477348"/>
+            <a:ext cx="1895895" cy="1810966"/>
+          </a:xfrm>
+          <a:prstGeom prst="rect">
+            <a:avLst/>
+          </a:prstGeom>
+          <a:ln w="38100">
+            <a:solidFill>
+              <a:schemeClr val="accent2">
+                <a:lumMod val="50000"/>
+              </a:schemeClr>
+            </a:solidFill>
+            <a:prstDash val="dash"/>
+          </a:ln>
+        </p:spPr>
+      </p:pic>
+      <p:pic>
+        <p:nvPicPr>
+          <p:cNvPr id="43" name="Picture 42"/>
+          <p:cNvPicPr>
+            <a:picLocks noChangeAspect="1"/>
+          </p:cNvPicPr>
+          <p:nvPr/>
+        </p:nvPicPr>
+        <p:blipFill>
+          <a:blip r:embed="rId13"/>
+          <a:stretch>
+            <a:fillRect/>
+          </a:stretch>
+        </p:blipFill>
+        <p:spPr>
+          <a:xfrm>
+            <a:off x="10645336" y="461939"/>
+            <a:ext cx="1395189" cy="1816602"/>
+          </a:xfrm>
+          <a:prstGeom prst="rect">
+            <a:avLst/>
+          </a:prstGeom>
+          <a:ln w="38100">
+            <a:solidFill>
+              <a:srgbClr val="C00000"/>
+            </a:solidFill>
+            <a:prstDash val="dash"/>
+          </a:ln>
+        </p:spPr>
+      </p:pic>
+      <p:sp>
+        <p:nvSpPr>
+          <p:cNvPr id="44" name="TextBox 43"/>
+          <p:cNvSpPr txBox="1"/>
+          <p:nvPr/>
+        </p:nvSpPr>
+        <p:spPr>
+          <a:xfrm>
+            <a:off x="8255620" y="49604"/>
+            <a:ext cx="1093373" cy="400110"/>
+          </a:xfrm>
+          <a:prstGeom prst="rect">
+            <a:avLst/>
+          </a:prstGeom>
+          <a:noFill/>
+        </p:spPr>
+        <p:txBody>
+          <a:bodyPr wrap="square" rtlCol="0">
+            <a:spAutoFit/>
+          </a:bodyPr>
+          <a:lstStyle/>
+          <a:p>
+            <a:r>
+              <a:rPr lang="en-AU" sz="2000" dirty="0">
+                <a:solidFill>
+                  <a:schemeClr val="accent2">
+                    <a:lumMod val="50000"/>
+                  </a:schemeClr>
+                </a:solidFill>
+              </a:rPr>
+              <a:t>Inductor</a:t>
+            </a:r>
+          </a:p>
+        </p:txBody>
+      </p:sp>
+      <p:sp>
+        <p:nvSpPr>
+          <p:cNvPr id="45" name="TextBox 44"/>
+          <p:cNvSpPr txBox="1"/>
+          <p:nvPr/>
+        </p:nvSpPr>
+        <p:spPr>
+          <a:xfrm>
+            <a:off x="10421315" y="39272"/>
+            <a:ext cx="1300496" cy="400110"/>
+          </a:xfrm>
+          <a:prstGeom prst="rect">
+            <a:avLst/>
+          </a:prstGeom>
+          <a:noFill/>
+        </p:spPr>
+        <p:txBody>
+          <a:bodyPr wrap="square" rtlCol="0">
+            <a:spAutoFit/>
+          </a:bodyPr>
+          <a:lstStyle/>
+          <a:p>
+            <a:r>
+              <a:rPr lang="en-AU" sz="2000" dirty="0">
+                <a:solidFill>
+                  <a:srgbClr val="C00000"/>
+                </a:solidFill>
+              </a:rPr>
+              <a:t>Capacitor</a:t>
+            </a:r>
+          </a:p>
+        </p:txBody>
+      </p:sp>
+      <p:sp>
+        <p:nvSpPr>
+          <p:cNvPr id="46" name="TextBox 45"/>
+          <p:cNvSpPr txBox="1"/>
+          <p:nvPr/>
+        </p:nvSpPr>
+        <p:spPr>
+          <a:xfrm rot="16200000">
+            <a:off x="7628763" y="3255415"/>
+            <a:ext cx="1003039" cy="461665"/>
+          </a:xfrm>
+          <a:prstGeom prst="rect">
+            <a:avLst/>
+          </a:prstGeom>
+          <a:noFill/>
+          <a:ln>
+            <a:noFill/>
+          </a:ln>
+        </p:spPr>
+        <p:txBody>
+          <a:bodyPr wrap="square" rtlCol="0">
+            <a:spAutoFit/>
+          </a:bodyPr>
+          <a:lstStyle/>
+          <a:p>
+            <a:r>
+              <a:rPr lang="en-AU" sz="2400" dirty="0">
+                <a:solidFill>
+                  <a:srgbClr val="0070C0"/>
+                </a:solidFill>
+              </a:rPr>
+              <a:t>Qubit</a:t>
+            </a:r>
+          </a:p>
+        </p:txBody>
+      </p:sp>
+      <p:sp>
+        <p:nvSpPr>
+          <p:cNvPr id="47" name="TextBox 46"/>
+          <p:cNvSpPr txBox="1"/>
+          <p:nvPr/>
+        </p:nvSpPr>
+        <p:spPr>
+          <a:xfrm>
+            <a:off x="2870148" y="3543494"/>
+            <a:ext cx="1584252" cy="365036"/>
+          </a:xfrm>
+          <a:prstGeom prst="rect">
+            <a:avLst/>
+          </a:prstGeom>
+          <a:noFill/>
+        </p:spPr>
+        <p:txBody>
+          <a:bodyPr wrap="square" rtlCol="0">
+            <a:spAutoFit/>
+          </a:bodyPr>
+          <a:lstStyle/>
+          <a:p>
+            <a:r>
+              <a:rPr lang="en-AU" dirty="0"/>
+              <a:t>Test structure</a:t>
+            </a:r>
+          </a:p>
+        </p:txBody>
+      </p:sp>
+      <p:sp>
+        <p:nvSpPr>
+          <p:cNvPr id="48" name="TextBox 47"/>
+          <p:cNvSpPr txBox="1"/>
+          <p:nvPr/>
+        </p:nvSpPr>
+        <p:spPr>
+          <a:xfrm>
+            <a:off x="-10419" y="-22283"/>
+            <a:ext cx="367151" cy="461665"/>
+          </a:xfrm>
+          <a:prstGeom prst="rect">
+            <a:avLst/>
+          </a:prstGeom>
+          <a:noFill/>
+        </p:spPr>
+        <p:txBody>
+          <a:bodyPr wrap="square" rtlCol="0">
+            <a:spAutoFit/>
+          </a:bodyPr>
+          <a:lstStyle/>
+          <a:p>
+            <a:r>
+              <a:rPr lang="en-AU" sz="2400" b="1" dirty="0"/>
+              <a:t>a</a:t>
+            </a:r>
+          </a:p>
+        </p:txBody>
+      </p:sp>
+      <p:sp>
+        <p:nvSpPr>
+          <p:cNvPr id="49" name="TextBox 48"/>
+          <p:cNvSpPr txBox="1"/>
+          <p:nvPr/>
+        </p:nvSpPr>
+        <p:spPr>
+          <a:xfrm>
+            <a:off x="-35151" y="4841358"/>
+            <a:ext cx="367151" cy="461665"/>
+          </a:xfrm>
+          <a:prstGeom prst="rect">
+            <a:avLst/>
+          </a:prstGeom>
+          <a:noFill/>
+        </p:spPr>
+        <p:txBody>
+          <a:bodyPr wrap="square" rtlCol="0">
+            <a:spAutoFit/>
+          </a:bodyPr>
+          <a:lstStyle/>
+          <a:p>
+            <a:r>
+              <a:rPr lang="en-AU" sz="2400" b="1" dirty="0" smtClean="0"/>
+              <a:t>c</a:t>
+            </a:r>
+            <a:endParaRPr lang="en-AU" sz="2400" b="1" dirty="0"/>
+          </a:p>
+        </p:txBody>
+      </p:sp>
+      <p:sp>
+        <p:nvSpPr>
+          <p:cNvPr id="50" name="TextBox 49"/>
+          <p:cNvSpPr txBox="1"/>
+          <p:nvPr/>
+        </p:nvSpPr>
+        <p:spPr>
+          <a:xfrm>
+            <a:off x="7724174" y="4841358"/>
+            <a:ext cx="367151" cy="461665"/>
+          </a:xfrm>
+          <a:prstGeom prst="rect">
+            <a:avLst/>
+          </a:prstGeom>
+          <a:noFill/>
+        </p:spPr>
+        <p:txBody>
+          <a:bodyPr wrap="square" rtlCol="0">
+            <a:spAutoFit/>
+          </a:bodyPr>
+          <a:lstStyle/>
+          <a:p>
+            <a:r>
+              <a:rPr lang="en-AU" sz="2400" b="1" dirty="0"/>
+              <a:t>d</a:t>
+            </a:r>
+          </a:p>
+        </p:txBody>
+      </p:sp>
+      <p:sp>
+        <p:nvSpPr>
+          <p:cNvPr id="51" name="TextBox 50"/>
+          <p:cNvSpPr txBox="1"/>
+          <p:nvPr/>
+        </p:nvSpPr>
+        <p:spPr>
+          <a:xfrm>
+            <a:off x="7783843" y="95759"/>
+            <a:ext cx="367151" cy="461665"/>
+          </a:xfrm>
+          <a:prstGeom prst="rect">
+            <a:avLst/>
+          </a:prstGeom>
+          <a:noFill/>
+        </p:spPr>
+        <p:txBody>
+          <a:bodyPr wrap="square" rtlCol="0">
+            <a:spAutoFit/>
+          </a:bodyPr>
+          <a:lstStyle/>
+          <a:p>
+            <a:r>
+              <a:rPr lang="en-AU" sz="2400" b="1" dirty="0" smtClean="0"/>
+              <a:t>b</a:t>
+            </a:r>
+            <a:endParaRPr lang="en-AU" sz="2400" b="1" dirty="0"/>
+          </a:p>
+        </p:txBody>
+      </p:sp>
+      <p:sp>
+        <p:nvSpPr>
+          <p:cNvPr id="52" name="TextBox 51"/>
+          <p:cNvSpPr txBox="1"/>
+          <p:nvPr/>
+        </p:nvSpPr>
+        <p:spPr>
+          <a:xfrm>
+            <a:off x="7724174" y="6917932"/>
+            <a:ext cx="367151" cy="461665"/>
+          </a:xfrm>
+          <a:prstGeom prst="rect">
+            <a:avLst/>
+          </a:prstGeom>
+          <a:noFill/>
+        </p:spPr>
+        <p:txBody>
+          <a:bodyPr wrap="square" rtlCol="0">
+            <a:spAutoFit/>
+          </a:bodyPr>
+          <a:lstStyle/>
+          <a:p>
+            <a:r>
+              <a:rPr lang="en-AU" sz="2400" b="1" dirty="0" smtClean="0"/>
+              <a:t>e</a:t>
+            </a:r>
+            <a:endParaRPr lang="en-AU" sz="2400" b="1" dirty="0"/>
+          </a:p>
+        </p:txBody>
+      </p:sp>
+      <p:sp>
+        <p:nvSpPr>
+          <p:cNvPr id="54" name="Rounded Rectangle 53"/>
+          <p:cNvSpPr/>
+          <p:nvPr/>
+        </p:nvSpPr>
+        <p:spPr>
+          <a:xfrm flipV="1">
+            <a:off x="367365" y="148112"/>
+            <a:ext cx="487157" cy="171628"/>
+          </a:xfrm>
+          <a:prstGeom prst="roundRect">
+            <a:avLst/>
+          </a:prstGeom>
+          <a:solidFill>
+            <a:srgbClr val="FF9933"/>
+          </a:solidFill>
+          <a:ln>
+            <a:noFill/>
+          </a:ln>
+        </p:spPr>
+        <p:style>
+          <a:lnRef idx="2">
+            <a:schemeClr val="accent1">
+              <a:shade val="50000"/>
+            </a:schemeClr>
+          </a:lnRef>
+          <a:fillRef idx="1">
+            <a:schemeClr val="accent1"/>
+          </a:fillRef>
+          <a:effectRef idx="0">
+            <a:schemeClr val="accent1"/>
+          </a:effectRef>
+          <a:fontRef idx="minor">
+            <a:schemeClr val="lt1"/>
+          </a:fontRef>
+        </p:style>
+        <p:txBody>
+          <a:bodyPr rtlCol="0" anchor="ctr"/>
+          <a:lstStyle/>
+          <a:p>
+            <a:pPr algn="ctr"/>
+            <a:endParaRPr lang="en-AU"/>
+          </a:p>
+        </p:txBody>
+      </p:sp>
+      <p:sp>
+        <p:nvSpPr>
+          <p:cNvPr id="55" name="TextBox 54"/>
+          <p:cNvSpPr txBox="1"/>
+          <p:nvPr/>
+        </p:nvSpPr>
+        <p:spPr>
+          <a:xfrm>
+            <a:off x="850817" y="36225"/>
+            <a:ext cx="1151211" cy="365036"/>
+          </a:xfrm>
+          <a:prstGeom prst="rect">
+            <a:avLst/>
+          </a:prstGeom>
+          <a:noFill/>
+        </p:spPr>
+        <p:txBody>
+          <a:bodyPr wrap="square" rtlCol="0">
+            <a:spAutoFit/>
+          </a:bodyPr>
+          <a:lstStyle/>
+          <a:p>
+            <a:r>
+              <a:rPr lang="en-AU" dirty="0" smtClean="0"/>
+              <a:t>Resonator</a:t>
+            </a:r>
+            <a:endParaRPr lang="en-AU" dirty="0"/>
+          </a:p>
+        </p:txBody>
+      </p:sp>
+      <p:sp>
+        <p:nvSpPr>
+          <p:cNvPr id="56" name="Rounded Rectangle 55"/>
+          <p:cNvSpPr/>
+          <p:nvPr/>
+        </p:nvSpPr>
+        <p:spPr>
+          <a:xfrm flipV="1">
+            <a:off x="3482118" y="148112"/>
+            <a:ext cx="487157" cy="171628"/>
+          </a:xfrm>
+          <a:prstGeom prst="roundRect">
+            <a:avLst/>
+          </a:prstGeom>
+          <a:solidFill>
+            <a:srgbClr val="660066"/>
+          </a:solidFill>
+          <a:ln>
+            <a:noFill/>
+          </a:ln>
+        </p:spPr>
+        <p:style>
+          <a:lnRef idx="2">
+            <a:schemeClr val="accent1">
+              <a:shade val="50000"/>
+            </a:schemeClr>
+          </a:lnRef>
+          <a:fillRef idx="1">
+            <a:schemeClr val="accent1"/>
+          </a:fillRef>
+          <a:effectRef idx="0">
+            <a:schemeClr val="accent1"/>
+          </a:effectRef>
+          <a:fontRef idx="minor">
+            <a:schemeClr val="lt1"/>
+          </a:fontRef>
+        </p:style>
+        <p:txBody>
+          <a:bodyPr rtlCol="0" anchor="ctr"/>
+          <a:lstStyle/>
+          <a:p>
+            <a:pPr algn="ctr"/>
+            <a:endParaRPr lang="en-AU"/>
+          </a:p>
+        </p:txBody>
+      </p:sp>
+      <p:sp>
+        <p:nvSpPr>
+          <p:cNvPr id="57" name="TextBox 56"/>
+          <p:cNvSpPr txBox="1"/>
+          <p:nvPr/>
+        </p:nvSpPr>
+        <p:spPr>
+          <a:xfrm>
+            <a:off x="3965570" y="36225"/>
+            <a:ext cx="1120299" cy="365036"/>
+          </a:xfrm>
+          <a:prstGeom prst="rect">
+            <a:avLst/>
+          </a:prstGeom>
+          <a:noFill/>
+        </p:spPr>
+        <p:txBody>
+          <a:bodyPr wrap="square" rtlCol="0">
+            <a:spAutoFit/>
+          </a:bodyPr>
+          <a:lstStyle/>
+          <a:p>
+            <a:r>
+              <a:rPr lang="en-AU" dirty="0" smtClean="0"/>
+              <a:t>n+ region</a:t>
+            </a:r>
+            <a:endParaRPr lang="en-AU" dirty="0"/>
+          </a:p>
+        </p:txBody>
+      </p:sp>
+      <p:sp>
+        <p:nvSpPr>
+          <p:cNvPr id="58" name="Rounded Rectangle 57"/>
+          <p:cNvSpPr/>
+          <p:nvPr/>
+        </p:nvSpPr>
+        <p:spPr>
+          <a:xfrm flipV="1">
+            <a:off x="5017709" y="155069"/>
+            <a:ext cx="487157" cy="171628"/>
+          </a:xfrm>
+          <a:prstGeom prst="roundRect">
+            <a:avLst/>
+          </a:prstGeom>
+          <a:solidFill>
+            <a:schemeClr val="tx1"/>
+          </a:solidFill>
+          <a:ln>
+            <a:noFill/>
+          </a:ln>
+        </p:spPr>
+        <p:style>
+          <a:lnRef idx="2">
+            <a:schemeClr val="accent1">
+              <a:shade val="50000"/>
+            </a:schemeClr>
+          </a:lnRef>
+          <a:fillRef idx="1">
+            <a:schemeClr val="accent1"/>
+          </a:fillRef>
+          <a:effectRef idx="0">
+            <a:schemeClr val="accent1"/>
+          </a:effectRef>
+          <a:fontRef idx="minor">
+            <a:schemeClr val="lt1"/>
+          </a:fontRef>
+        </p:style>
+        <p:txBody>
+          <a:bodyPr rtlCol="0" anchor="ctr"/>
+          <a:lstStyle/>
+          <a:p>
+            <a:pPr algn="ctr"/>
+            <a:endParaRPr lang="en-AU"/>
+          </a:p>
+        </p:txBody>
+      </p:sp>
+      <p:sp>
+        <p:nvSpPr>
+          <p:cNvPr id="59" name="TextBox 58"/>
+          <p:cNvSpPr txBox="1"/>
+          <p:nvPr/>
+        </p:nvSpPr>
+        <p:spPr>
+          <a:xfrm>
+            <a:off x="5501161" y="43182"/>
+            <a:ext cx="1631819" cy="365036"/>
+          </a:xfrm>
+          <a:prstGeom prst="rect">
+            <a:avLst/>
+          </a:prstGeom>
+          <a:noFill/>
+        </p:spPr>
+        <p:txBody>
+          <a:bodyPr wrap="square" rtlCol="0">
+            <a:spAutoFit/>
+          </a:bodyPr>
+          <a:lstStyle/>
+          <a:p>
+            <a:r>
+              <a:rPr lang="en-AU" dirty="0" err="1" smtClean="0"/>
+              <a:t>Ohmic</a:t>
+            </a:r>
+            <a:r>
+              <a:rPr lang="en-AU" dirty="0" smtClean="0"/>
+              <a:t> contact</a:t>
+            </a:r>
+            <a:endParaRPr lang="en-AU" dirty="0"/>
+          </a:p>
+        </p:txBody>
+      </p:sp>
+      <p:sp>
+        <p:nvSpPr>
+          <p:cNvPr id="62" name="TextBox 61"/>
+          <p:cNvSpPr txBox="1"/>
+          <p:nvPr/>
+        </p:nvSpPr>
+        <p:spPr>
+          <a:xfrm>
+            <a:off x="14456284" y="5854990"/>
+            <a:ext cx="1436046" cy="637739"/>
+          </a:xfrm>
+          <a:prstGeom prst="rect">
+            <a:avLst/>
+          </a:prstGeom>
+          <a:noFill/>
+        </p:spPr>
+        <p:txBody>
+          <a:bodyPr wrap="square" rtlCol="0">
+            <a:spAutoFit/>
+          </a:bodyPr>
+          <a:lstStyle/>
+          <a:p>
+            <a:r>
+              <a:rPr lang="en-AU" dirty="0" smtClean="0"/>
+              <a:t>Reservoir /</a:t>
+            </a:r>
+          </a:p>
+          <a:p>
+            <a:r>
+              <a:rPr lang="en-AU" dirty="0" smtClean="0"/>
+              <a:t>Confinement</a:t>
+            </a:r>
+            <a:endParaRPr lang="en-AU" dirty="0"/>
+          </a:p>
+        </p:txBody>
+      </p:sp>
+      <p:sp>
+        <p:nvSpPr>
+          <p:cNvPr id="63" name="TextBox 62"/>
+          <p:cNvSpPr txBox="1"/>
+          <p:nvPr/>
+        </p:nvSpPr>
+        <p:spPr>
+          <a:xfrm>
+            <a:off x="12178710" y="5783192"/>
+            <a:ext cx="1219902" cy="637739"/>
+          </a:xfrm>
+          <a:prstGeom prst="rect">
+            <a:avLst/>
+          </a:prstGeom>
+          <a:noFill/>
+        </p:spPr>
+        <p:txBody>
+          <a:bodyPr wrap="square" rtlCol="0">
+            <a:spAutoFit/>
+          </a:bodyPr>
+          <a:lstStyle/>
+          <a:p>
+            <a:r>
+              <a:rPr lang="en-AU" dirty="0" smtClean="0"/>
+              <a:t>Donor gate</a:t>
+            </a:r>
+          </a:p>
+          <a:p>
+            <a:r>
+              <a:rPr lang="en-AU" dirty="0" smtClean="0"/>
+              <a:t>Resonator</a:t>
+            </a:r>
+            <a:endParaRPr lang="en-AU" dirty="0"/>
+          </a:p>
+        </p:txBody>
+      </p:sp>
       <p:cxnSp>
         <p:nvCxnSpPr>
-          <p:cNvPr id="9" name="Straight Connector 8"/>
-          <p:cNvCxnSpPr/>
+          <p:cNvPr id="66" name="Straight Connector 65"/>
+          <p:cNvCxnSpPr>
+            <a:endCxn id="67" idx="0"/>
+          </p:cNvCxnSpPr>
           <p:nvPr/>
         </p:nvCxnSpPr>
         <p:spPr>
           <a:xfrm>
-            <a:off x="8822875" y="2040430"/>
-            <a:ext cx="280086" cy="0"/>
+            <a:off x="8210833" y="8886830"/>
+            <a:ext cx="400110" cy="8888"/>
           </a:xfrm>
           <a:prstGeom prst="line">
             <a:avLst/>
@@ -3105,13 +4495,13 @@
       </p:cxnSp>
       <p:sp>
         <p:nvSpPr>
-          <p:cNvPr id="10" name="TextBox 9"/>
+          <p:cNvPr id="67" name="TextBox 66"/>
           <p:cNvSpPr txBox="1"/>
           <p:nvPr/>
         </p:nvSpPr>
         <p:spPr>
           <a:xfrm>
-            <a:off x="8729358" y="1704735"/>
+            <a:off x="8112553" y="8895718"/>
             <a:ext cx="996779" cy="369332"/>
           </a:xfrm>
           <a:prstGeom prst="rect">
@@ -3136,10 +4526,678 @@
           </a:p>
         </p:txBody>
       </p:sp>
+      <p:cxnSp>
+        <p:nvCxnSpPr>
+          <p:cNvPr id="68" name="Straight Connector 67"/>
+          <p:cNvCxnSpPr>
+            <a:endCxn id="69" idx="0"/>
+          </p:cNvCxnSpPr>
+          <p:nvPr/>
+        </p:nvCxnSpPr>
+        <p:spPr>
+          <a:xfrm>
+            <a:off x="8189605" y="6529632"/>
+            <a:ext cx="400110" cy="8888"/>
+          </a:xfrm>
+          <a:prstGeom prst="line">
+            <a:avLst/>
+          </a:prstGeom>
+          <a:ln w="28575">
+            <a:solidFill>
+              <a:schemeClr val="bg1"/>
+            </a:solidFill>
+          </a:ln>
+        </p:spPr>
+        <p:style>
+          <a:lnRef idx="1">
+            <a:schemeClr val="accent1"/>
+          </a:lnRef>
+          <a:fillRef idx="0">
+            <a:schemeClr val="accent1"/>
+          </a:fillRef>
+          <a:effectRef idx="0">
+            <a:schemeClr val="accent1"/>
+          </a:effectRef>
+          <a:fontRef idx="minor">
+            <a:schemeClr val="tx1"/>
+          </a:fontRef>
+        </p:style>
+      </p:cxnSp>
+      <p:sp>
+        <p:nvSpPr>
+          <p:cNvPr id="69" name="TextBox 68"/>
+          <p:cNvSpPr txBox="1"/>
+          <p:nvPr/>
+        </p:nvSpPr>
+        <p:spPr>
+          <a:xfrm>
+            <a:off x="8091325" y="6538520"/>
+            <a:ext cx="996779" cy="369332"/>
+          </a:xfrm>
+          <a:prstGeom prst="rect">
+            <a:avLst/>
+          </a:prstGeom>
+          <a:noFill/>
+        </p:spPr>
+        <p:txBody>
+          <a:bodyPr wrap="square" rtlCol="0">
+            <a:spAutoFit/>
+          </a:bodyPr>
+          <a:lstStyle/>
+          <a:p>
+            <a:r>
+              <a:rPr lang="en-AU" dirty="0">
+                <a:solidFill>
+                  <a:schemeClr val="bg1"/>
+                </a:solidFill>
+              </a:rPr>
+              <a:t>200nm</a:t>
+            </a:r>
+          </a:p>
+        </p:txBody>
+      </p:sp>
+      <p:cxnSp>
+        <p:nvCxnSpPr>
+          <p:cNvPr id="70" name="Straight Connector 69"/>
+          <p:cNvCxnSpPr/>
+          <p:nvPr/>
+        </p:nvCxnSpPr>
+        <p:spPr>
+          <a:xfrm>
+            <a:off x="465645" y="8702164"/>
+            <a:ext cx="725202" cy="8888"/>
+          </a:xfrm>
+          <a:prstGeom prst="line">
+            <a:avLst/>
+          </a:prstGeom>
+          <a:ln w="28575">
+            <a:solidFill>
+              <a:schemeClr val="bg1"/>
+            </a:solidFill>
+          </a:ln>
+        </p:spPr>
+        <p:style>
+          <a:lnRef idx="1">
+            <a:schemeClr val="accent1"/>
+          </a:lnRef>
+          <a:fillRef idx="0">
+            <a:schemeClr val="accent1"/>
+          </a:fillRef>
+          <a:effectRef idx="0">
+            <a:schemeClr val="accent1"/>
+          </a:effectRef>
+          <a:fontRef idx="minor">
+            <a:schemeClr val="tx1"/>
+          </a:fontRef>
+        </p:style>
+      </p:cxnSp>
+      <p:sp>
+        <p:nvSpPr>
+          <p:cNvPr id="71" name="TextBox 70"/>
+          <p:cNvSpPr txBox="1"/>
+          <p:nvPr/>
+        </p:nvSpPr>
+        <p:spPr>
+          <a:xfrm>
+            <a:off x="465645" y="8711052"/>
+            <a:ext cx="996779" cy="369332"/>
+          </a:xfrm>
+          <a:prstGeom prst="rect">
+            <a:avLst/>
+          </a:prstGeom>
+          <a:noFill/>
+        </p:spPr>
+        <p:txBody>
+          <a:bodyPr wrap="square" rtlCol="0">
+            <a:spAutoFit/>
+          </a:bodyPr>
+          <a:lstStyle/>
+          <a:p>
+            <a:r>
+              <a:rPr lang="en-AU" dirty="0" smtClean="0">
+                <a:solidFill>
+                  <a:schemeClr val="bg1"/>
+                </a:solidFill>
+              </a:rPr>
+              <a:t>1mm</a:t>
+            </a:r>
+            <a:endParaRPr lang="en-AU" dirty="0">
+              <a:solidFill>
+                <a:schemeClr val="bg1"/>
+              </a:solidFill>
+            </a:endParaRPr>
+          </a:p>
+        </p:txBody>
+      </p:sp>
+      <p:cxnSp>
+        <p:nvCxnSpPr>
+          <p:cNvPr id="73" name="Straight Connector 72"/>
+          <p:cNvCxnSpPr>
+            <a:endCxn id="74" idx="0"/>
+          </p:cNvCxnSpPr>
+          <p:nvPr/>
+        </p:nvCxnSpPr>
+        <p:spPr>
+          <a:xfrm>
+            <a:off x="8511782" y="4232535"/>
+            <a:ext cx="400110" cy="8888"/>
+          </a:xfrm>
+          <a:prstGeom prst="line">
+            <a:avLst/>
+          </a:prstGeom>
+          <a:ln w="28575">
+            <a:solidFill>
+              <a:schemeClr val="tx1"/>
+            </a:solidFill>
+          </a:ln>
+        </p:spPr>
+        <p:style>
+          <a:lnRef idx="1">
+            <a:schemeClr val="accent1"/>
+          </a:lnRef>
+          <a:fillRef idx="0">
+            <a:schemeClr val="accent1"/>
+          </a:fillRef>
+          <a:effectRef idx="0">
+            <a:schemeClr val="accent1"/>
+          </a:effectRef>
+          <a:fontRef idx="minor">
+            <a:schemeClr val="tx1"/>
+          </a:fontRef>
+        </p:style>
+      </p:cxnSp>
+      <p:sp>
+        <p:nvSpPr>
+          <p:cNvPr id="74" name="TextBox 73"/>
+          <p:cNvSpPr txBox="1"/>
+          <p:nvPr/>
+        </p:nvSpPr>
+        <p:spPr>
+          <a:xfrm>
+            <a:off x="8413502" y="4241423"/>
+            <a:ext cx="996779" cy="369332"/>
+          </a:xfrm>
+          <a:prstGeom prst="rect">
+            <a:avLst/>
+          </a:prstGeom>
+          <a:noFill/>
+          <a:ln>
+            <a:noFill/>
+          </a:ln>
+        </p:spPr>
+        <p:txBody>
+          <a:bodyPr wrap="square" rtlCol="0">
+            <a:spAutoFit/>
+          </a:bodyPr>
+          <a:lstStyle/>
+          <a:p>
+            <a:r>
+              <a:rPr lang="en-AU" dirty="0"/>
+              <a:t>200nm</a:t>
+            </a:r>
+          </a:p>
+        </p:txBody>
+      </p:sp>
+      <p:sp>
+        <p:nvSpPr>
+          <p:cNvPr id="77" name="Rectangle 76"/>
+          <p:cNvSpPr/>
+          <p:nvPr/>
+        </p:nvSpPr>
+        <p:spPr>
+          <a:xfrm>
+            <a:off x="9815997" y="3502349"/>
+            <a:ext cx="829339" cy="294419"/>
+          </a:xfrm>
+          <a:prstGeom prst="rect">
+            <a:avLst/>
+          </a:prstGeom>
+          <a:noFill/>
+          <a:ln w="28575">
+            <a:solidFill>
+              <a:schemeClr val="tx1"/>
+            </a:solidFill>
+            <a:prstDash val="sysDot"/>
+          </a:ln>
+        </p:spPr>
+        <p:style>
+          <a:lnRef idx="2">
+            <a:schemeClr val="accent1">
+              <a:shade val="50000"/>
+            </a:schemeClr>
+          </a:lnRef>
+          <a:fillRef idx="1">
+            <a:schemeClr val="accent1"/>
+          </a:fillRef>
+          <a:effectRef idx="0">
+            <a:schemeClr val="accent1"/>
+          </a:effectRef>
+          <a:fontRef idx="minor">
+            <a:schemeClr val="lt1"/>
+          </a:fontRef>
+        </p:style>
+        <p:txBody>
+          <a:bodyPr rtlCol="0" anchor="ctr"/>
+          <a:lstStyle/>
+          <a:p>
+            <a:pPr algn="ctr"/>
+            <a:endParaRPr lang="en-AU"/>
+          </a:p>
+        </p:txBody>
+      </p:sp>
+      <p:sp>
+        <p:nvSpPr>
+          <p:cNvPr id="78" name="TextBox 77"/>
+          <p:cNvSpPr txBox="1"/>
+          <p:nvPr/>
+        </p:nvSpPr>
+        <p:spPr>
+          <a:xfrm>
+            <a:off x="9125686" y="3797083"/>
+            <a:ext cx="1188701" cy="637739"/>
+          </a:xfrm>
+          <a:prstGeom prst="rect">
+            <a:avLst/>
+          </a:prstGeom>
+          <a:noFill/>
+        </p:spPr>
+        <p:txBody>
+          <a:bodyPr wrap="square" rtlCol="0">
+            <a:spAutoFit/>
+          </a:bodyPr>
+          <a:lstStyle/>
+          <a:p>
+            <a:r>
+              <a:rPr lang="en-AU" dirty="0" smtClean="0"/>
+              <a:t>Implanted donors</a:t>
+            </a:r>
+            <a:endParaRPr lang="en-AU" dirty="0"/>
+          </a:p>
+        </p:txBody>
+      </p:sp>
+      <p:cxnSp>
+        <p:nvCxnSpPr>
+          <p:cNvPr id="80" name="Straight Arrow Connector 79"/>
+          <p:cNvCxnSpPr/>
+          <p:nvPr/>
+        </p:nvCxnSpPr>
+        <p:spPr>
+          <a:xfrm flipH="1">
+            <a:off x="12741645" y="6360566"/>
+            <a:ext cx="161705" cy="240481"/>
+          </a:xfrm>
+          <a:prstGeom prst="straightConnector1">
+            <a:avLst/>
+          </a:prstGeom>
+          <a:ln>
+            <a:solidFill>
+              <a:schemeClr val="accent2">
+                <a:lumMod val="50000"/>
+              </a:schemeClr>
+            </a:solidFill>
+            <a:tailEnd type="triangle"/>
+          </a:ln>
+        </p:spPr>
+        <p:style>
+          <a:lnRef idx="1">
+            <a:schemeClr val="accent1"/>
+          </a:lnRef>
+          <a:fillRef idx="0">
+            <a:schemeClr val="accent1"/>
+          </a:fillRef>
+          <a:effectRef idx="0">
+            <a:schemeClr val="accent1"/>
+          </a:effectRef>
+          <a:fontRef idx="minor">
+            <a:schemeClr val="tx1"/>
+          </a:fontRef>
+        </p:style>
+      </p:cxnSp>
+      <p:cxnSp>
+        <p:nvCxnSpPr>
+          <p:cNvPr id="82" name="Straight Arrow Connector 81"/>
+          <p:cNvCxnSpPr/>
+          <p:nvPr/>
+        </p:nvCxnSpPr>
+        <p:spPr>
+          <a:xfrm flipH="1">
+            <a:off x="14537813" y="6498184"/>
+            <a:ext cx="377703" cy="986476"/>
+          </a:xfrm>
+          <a:prstGeom prst="straightConnector1">
+            <a:avLst/>
+          </a:prstGeom>
+          <a:ln>
+            <a:solidFill>
+              <a:schemeClr val="accent6">
+                <a:lumMod val="75000"/>
+              </a:schemeClr>
+            </a:solidFill>
+            <a:tailEnd type="triangle"/>
+          </a:ln>
+        </p:spPr>
+        <p:style>
+          <a:lnRef idx="1">
+            <a:schemeClr val="accent1"/>
+          </a:lnRef>
+          <a:fillRef idx="0">
+            <a:schemeClr val="accent1"/>
+          </a:fillRef>
+          <a:effectRef idx="0">
+            <a:schemeClr val="accent1"/>
+          </a:effectRef>
+          <a:fontRef idx="minor">
+            <a:schemeClr val="tx1"/>
+          </a:fontRef>
+        </p:style>
+      </p:cxnSp>
+      <p:cxnSp>
+        <p:nvCxnSpPr>
+          <p:cNvPr id="84" name="Straight Arrow Connector 83"/>
+          <p:cNvCxnSpPr/>
+          <p:nvPr/>
+        </p:nvCxnSpPr>
+        <p:spPr>
+          <a:xfrm flipH="1">
+            <a:off x="14456284" y="6492729"/>
+            <a:ext cx="459233" cy="88865"/>
+          </a:xfrm>
+          <a:prstGeom prst="straightConnector1">
+            <a:avLst/>
+          </a:prstGeom>
+          <a:ln>
+            <a:solidFill>
+              <a:schemeClr val="accent6">
+                <a:lumMod val="75000"/>
+              </a:schemeClr>
+            </a:solidFill>
+            <a:tailEnd type="triangle"/>
+          </a:ln>
+        </p:spPr>
+        <p:style>
+          <a:lnRef idx="1">
+            <a:schemeClr val="accent1"/>
+          </a:lnRef>
+          <a:fillRef idx="0">
+            <a:schemeClr val="accent1"/>
+          </a:fillRef>
+          <a:effectRef idx="0">
+            <a:schemeClr val="accent1"/>
+          </a:effectRef>
+          <a:fontRef idx="minor">
+            <a:schemeClr val="tx1"/>
+          </a:fontRef>
+        </p:style>
+      </p:cxnSp>
+      <p:sp>
+        <p:nvSpPr>
+          <p:cNvPr id="72" name="Rounded Rectangle 71"/>
+          <p:cNvSpPr/>
+          <p:nvPr/>
+        </p:nvSpPr>
+        <p:spPr>
+          <a:xfrm flipV="1">
+            <a:off x="1942971" y="159943"/>
+            <a:ext cx="487157" cy="171628"/>
+          </a:xfrm>
+          <a:prstGeom prst="roundRect">
+            <a:avLst/>
+          </a:prstGeom>
+          <a:solidFill>
+            <a:srgbClr val="07D040"/>
+          </a:solidFill>
+          <a:ln>
+            <a:noFill/>
+          </a:ln>
+        </p:spPr>
+        <p:style>
+          <a:lnRef idx="2">
+            <a:schemeClr val="accent1">
+              <a:shade val="50000"/>
+            </a:schemeClr>
+          </a:lnRef>
+          <a:fillRef idx="1">
+            <a:schemeClr val="accent1"/>
+          </a:fillRef>
+          <a:effectRef idx="0">
+            <a:schemeClr val="accent1"/>
+          </a:effectRef>
+          <a:fontRef idx="minor">
+            <a:schemeClr val="lt1"/>
+          </a:fontRef>
+        </p:style>
+        <p:txBody>
+          <a:bodyPr rtlCol="0" anchor="ctr"/>
+          <a:lstStyle/>
+          <a:p>
+            <a:pPr algn="ctr"/>
+            <a:endParaRPr lang="en-AU"/>
+          </a:p>
+        </p:txBody>
+      </p:sp>
+      <p:sp>
+        <p:nvSpPr>
+          <p:cNvPr id="75" name="TextBox 74"/>
+          <p:cNvSpPr txBox="1"/>
+          <p:nvPr/>
+        </p:nvSpPr>
+        <p:spPr>
+          <a:xfrm>
+            <a:off x="2426423" y="48056"/>
+            <a:ext cx="1151211" cy="365036"/>
+          </a:xfrm>
+          <a:prstGeom prst="rect">
+            <a:avLst/>
+          </a:prstGeom>
+          <a:noFill/>
+        </p:spPr>
+        <p:txBody>
+          <a:bodyPr wrap="square" rtlCol="0">
+            <a:spAutoFit/>
+          </a:bodyPr>
+          <a:lstStyle/>
+          <a:p>
+            <a:r>
+              <a:rPr lang="en-AU" dirty="0" smtClean="0"/>
+              <a:t>Reservoir</a:t>
+            </a:r>
+            <a:endParaRPr lang="en-AU" dirty="0"/>
+          </a:p>
+        </p:txBody>
+      </p:sp>
+      <p:sp>
+        <p:nvSpPr>
+          <p:cNvPr id="2" name="TextBox 1"/>
+          <p:cNvSpPr txBox="1"/>
+          <p:nvPr/>
+        </p:nvSpPr>
+        <p:spPr>
+          <a:xfrm>
+            <a:off x="9991257" y="2564413"/>
+            <a:ext cx="748301" cy="365036"/>
+          </a:xfrm>
+          <a:prstGeom prst="rect">
+            <a:avLst/>
+          </a:prstGeom>
+          <a:noFill/>
+        </p:spPr>
+        <p:txBody>
+          <a:bodyPr wrap="square" rtlCol="0">
+            <a:spAutoFit/>
+          </a:bodyPr>
+          <a:lstStyle/>
+          <a:p>
+            <a:r>
+              <a:rPr lang="en-AU" dirty="0" smtClean="0"/>
+              <a:t>TT</a:t>
+            </a:r>
+            <a:endParaRPr lang="en-AU" dirty="0"/>
+          </a:p>
+        </p:txBody>
+      </p:sp>
+      <p:sp>
+        <p:nvSpPr>
+          <p:cNvPr id="60" name="TextBox 59"/>
+          <p:cNvSpPr txBox="1"/>
+          <p:nvPr/>
+        </p:nvSpPr>
+        <p:spPr>
+          <a:xfrm>
+            <a:off x="10047164" y="4295683"/>
+            <a:ext cx="748301" cy="365036"/>
+          </a:xfrm>
+          <a:prstGeom prst="rect">
+            <a:avLst/>
+          </a:prstGeom>
+          <a:noFill/>
+        </p:spPr>
+        <p:txBody>
+          <a:bodyPr wrap="square" rtlCol="0">
+            <a:spAutoFit/>
+          </a:bodyPr>
+          <a:lstStyle/>
+          <a:p>
+            <a:r>
+              <a:rPr lang="en-AU" dirty="0" smtClean="0"/>
+              <a:t>TB</a:t>
+            </a:r>
+            <a:endParaRPr lang="en-AU" dirty="0"/>
+          </a:p>
+        </p:txBody>
+      </p:sp>
+      <p:sp>
+        <p:nvSpPr>
+          <p:cNvPr id="61" name="TextBox 60"/>
+          <p:cNvSpPr txBox="1"/>
+          <p:nvPr/>
+        </p:nvSpPr>
+        <p:spPr>
+          <a:xfrm>
+            <a:off x="8412615" y="3438733"/>
+            <a:ext cx="748301" cy="365036"/>
+          </a:xfrm>
+          <a:prstGeom prst="rect">
+            <a:avLst/>
+          </a:prstGeom>
+          <a:noFill/>
+        </p:spPr>
+        <p:txBody>
+          <a:bodyPr wrap="square" rtlCol="0">
+            <a:spAutoFit/>
+          </a:bodyPr>
+          <a:lstStyle/>
+          <a:p>
+            <a:r>
+              <a:rPr lang="en-AU" dirty="0" smtClean="0"/>
+              <a:t>CC</a:t>
+            </a:r>
+            <a:endParaRPr lang="en-AU" dirty="0"/>
+          </a:p>
+        </p:txBody>
+      </p:sp>
     </p:spTree>
     <p:extLst>
       <p:ext uri="{BB962C8B-B14F-4D97-AF65-F5344CB8AC3E}">
         <p14:creationId xmlns:p14="http://schemas.microsoft.com/office/powerpoint/2010/main" val="3794423173"/>
+      </p:ext>
+    </p:extLst>
+  </p:cSld>
+  <p:clrMapOvr>
+    <a:masterClrMapping/>
+  </p:clrMapOvr>
+  <p:timing>
+    <p:tnLst>
+      <p:par>
+        <p:cTn id="1" dur="indefinite" restart="never" nodeType="tmRoot"/>
+      </p:par>
+    </p:tnLst>
+  </p:timing>
+</p:sld>
+</file>
+
+<file path=ppt/slides/slide2.xml><?xml version="1.0" encoding="utf-8"?>
+<p:sld xmlns:a="http://schemas.openxmlformats.org/drawingml/2006/main" xmlns:r="http://schemas.openxmlformats.org/officeDocument/2006/relationships" xmlns:p="http://schemas.openxmlformats.org/presentationml/2006/main">
+  <p:cSld>
+    <p:spTree>
+      <p:nvGrpSpPr>
+        <p:cNvPr id="1" name=""/>
+        <p:cNvGrpSpPr/>
+        <p:nvPr/>
+      </p:nvGrpSpPr>
+      <p:grpSpPr>
+        <a:xfrm>
+          <a:off x="0" y="0"/>
+          <a:ext cx="0" cy="0"/>
+          <a:chOff x="0" y="0"/>
+          <a:chExt cx="0" cy="0"/>
+        </a:xfrm>
+      </p:grpSpPr>
+      <p:sp>
+        <p:nvSpPr>
+          <p:cNvPr id="2" name="Title 1"/>
+          <p:cNvSpPr>
+            <a:spLocks noGrp="1"/>
+          </p:cNvSpPr>
+          <p:nvPr>
+            <p:ph type="title"/>
+          </p:nvPr>
+        </p:nvSpPr>
+        <p:spPr/>
+        <p:txBody>
+          <a:bodyPr/>
+          <a:lstStyle/>
+          <a:p>
+            <a:endParaRPr lang="en-AU"/>
+          </a:p>
+        </p:txBody>
+      </p:sp>
+      <p:sp>
+        <p:nvSpPr>
+          <p:cNvPr id="3" name="Content Placeholder 2"/>
+          <p:cNvSpPr>
+            <a:spLocks noGrp="1"/>
+          </p:cNvSpPr>
+          <p:nvPr>
+            <p:ph idx="1"/>
+          </p:nvPr>
+        </p:nvSpPr>
+        <p:spPr/>
+        <p:txBody>
+          <a:bodyPr/>
+          <a:lstStyle/>
+          <a:p>
+            <a:endParaRPr lang="en-AU"/>
+          </a:p>
+        </p:txBody>
+      </p:sp>
+      <p:pic>
+        <p:nvPicPr>
+          <p:cNvPr id="4" name="Picture 3"/>
+          <p:cNvPicPr>
+            <a:picLocks noChangeAspect="1"/>
+          </p:cNvPicPr>
+          <p:nvPr/>
+        </p:nvPicPr>
+        <p:blipFill>
+          <a:blip r:embed="rId2"/>
+          <a:stretch>
+            <a:fillRect/>
+          </a:stretch>
+        </p:blipFill>
+        <p:spPr>
+          <a:xfrm>
+            <a:off x="356732" y="378168"/>
+            <a:ext cx="7392174" cy="4454651"/>
+          </a:xfrm>
+          <a:prstGeom prst="rect">
+            <a:avLst/>
+          </a:prstGeom>
+        </p:spPr>
+      </p:pic>
+    </p:spTree>
+    <p:extLst>
+      <p:ext uri="{BB962C8B-B14F-4D97-AF65-F5344CB8AC3E}">
+        <p14:creationId xmlns:p14="http://schemas.microsoft.com/office/powerpoint/2010/main" val="3207168112"/>
       </p:ext>
     </p:extLst>
   </p:cSld>
